--- a/LCS_FY25 Internship Demo.pptx
+++ b/LCS_FY25 Internship Demo.pptx
@@ -7,7 +7,7 @@
     <p:sldMasterId id="2147483655" r:id="rId3"/>
   </p:sldMasterIdLst>
   <p:notesMasterIdLst>
-    <p:notesMasterId r:id="rId16"/>
+    <p:notesMasterId r:id="rId17"/>
   </p:notesMasterIdLst>
   <p:sldIdLst>
     <p:sldId id="256" r:id="rId4"/>
@@ -16,12 +16,13 @@
     <p:sldId id="259" r:id="rId7"/>
     <p:sldId id="260" r:id="rId8"/>
     <p:sldId id="261" r:id="rId9"/>
-    <p:sldId id="262" r:id="rId10"/>
-    <p:sldId id="263" r:id="rId11"/>
-    <p:sldId id="264" r:id="rId12"/>
-    <p:sldId id="265" r:id="rId13"/>
-    <p:sldId id="266" r:id="rId14"/>
-    <p:sldId id="267" r:id="rId15"/>
+    <p:sldId id="268" r:id="rId10"/>
+    <p:sldId id="262" r:id="rId11"/>
+    <p:sldId id="263" r:id="rId12"/>
+    <p:sldId id="264" r:id="rId13"/>
+    <p:sldId id="265" r:id="rId14"/>
+    <p:sldId id="266" r:id="rId15"/>
+    <p:sldId id="267" r:id="rId16"/>
   </p:sldIdLst>
   <p:sldSz cx="12192000" cy="6858000"/>
   <p:notesSz cx="7102475" cy="10234613"/>
@@ -254,6 +255,11 @@
       </a:defRPr>
     </a:lvl9pPr>
   </p:defaultTextStyle>
+  <p:extLst>
+    <p:ext uri="{EFAFB233-063F-42B5-8137-9DF3F51BA10A}">
+      <p15:sldGuideLst xmlns:p15="http://schemas.microsoft.com/office/powerpoint/2012/main"/>
+    </p:ext>
+  </p:extLst>
 </p:presentation>
 </file>
 
@@ -1619,6 +1625,110 @@
   <p:cSld>
     <p:spTree>
       <p:nvGrpSpPr>
+        <p:cNvPr id="1" name="Shape 130"/>
+        <p:cNvGrpSpPr/>
+        <p:nvPr/>
+      </p:nvGrpSpPr>
+      <p:grpSpPr>
+        <a:xfrm>
+          <a:off x="0" y="0"/>
+          <a:ext cx="0" cy="0"/>
+          <a:chOff x="0" y="0"/>
+          <a:chExt cx="0" cy="0"/>
+        </a:xfrm>
+      </p:grpSpPr>
+      <p:sp>
+        <p:nvSpPr>
+          <p:cNvPr id="131" name="Google Shape;131;g36e7acd313d_0_23:notes"/>
+          <p:cNvSpPr txBox="1">
+            <a:spLocks noGrp="1"/>
+          </p:cNvSpPr>
+          <p:nvPr>
+            <p:ph type="body" idx="1"/>
+          </p:nvPr>
+        </p:nvSpPr>
+        <p:spPr>
+          <a:xfrm>
+            <a:off x="710248" y="4925407"/>
+            <a:ext cx="5682000" cy="4029900"/>
+          </a:xfrm>
+          <a:prstGeom prst="rect">
+            <a:avLst/>
+          </a:prstGeom>
+        </p:spPr>
+        <p:txBody>
+          <a:bodyPr spcFirstLastPara="1" wrap="square" lIns="99050" tIns="49525" rIns="99050" bIns="49525" anchor="t" anchorCtr="0">
+            <a:noAutofit/>
+          </a:bodyPr>
+          <a:lstStyle/>
+          <a:p>
+            <a:pPr marL="0" lvl="0" indent="0" algn="l" rtl="0">
+              <a:spcBef>
+                <a:spcPts val="0"/>
+              </a:spcBef>
+              <a:spcAft>
+                <a:spcPts val="0"/>
+              </a:spcAft>
+              <a:buNone/>
+            </a:pPr>
+            <a:endParaRPr/>
+          </a:p>
+        </p:txBody>
+      </p:sp>
+      <p:sp>
+        <p:nvSpPr>
+          <p:cNvPr id="132" name="Google Shape;132;g36e7acd313d_0_23:notes"/>
+          <p:cNvSpPr>
+            <a:spLocks noGrp="1" noRot="1" noChangeAspect="1"/>
+          </p:cNvSpPr>
+          <p:nvPr>
+            <p:ph type="sldImg" idx="2"/>
+          </p:nvPr>
+        </p:nvSpPr>
+        <p:spPr>
+          <a:xfrm>
+            <a:off x="481013" y="1279525"/>
+            <a:ext cx="6140450" cy="3454400"/>
+          </a:xfrm>
+          <a:custGeom>
+            <a:avLst/>
+            <a:gdLst/>
+            <a:ahLst/>
+            <a:cxnLst/>
+            <a:rect l="l" t="t" r="r" b="b"/>
+            <a:pathLst>
+              <a:path w="120000" h="120000" extrusionOk="0">
+                <a:moveTo>
+                  <a:pt x="0" y="0"/>
+                </a:moveTo>
+                <a:lnTo>
+                  <a:pt x="120000" y="0"/>
+                </a:lnTo>
+                <a:lnTo>
+                  <a:pt x="120000" y="120000"/>
+                </a:lnTo>
+                <a:lnTo>
+                  <a:pt x="0" y="120000"/>
+                </a:lnTo>
+                <a:close/>
+              </a:path>
+            </a:pathLst>
+          </a:custGeom>
+        </p:spPr>
+      </p:sp>
+    </p:spTree>
+  </p:cSld>
+  <p:clrMapOvr>
+    <a:masterClrMapping/>
+  </p:clrMapOvr>
+</p:notes>
+</file>
+
+<file path=ppt/notesSlides/notesSlide11.xml><?xml version="1.0" encoding="utf-8"?>
+<p:notes xmlns:a="http://schemas.openxmlformats.org/drawingml/2006/main" xmlns:r="http://schemas.openxmlformats.org/officeDocument/2006/relationships" xmlns:p="http://schemas.openxmlformats.org/presentationml/2006/main" showMasterSp="0" showMasterPhAnim="0">
+  <p:cSld>
+    <p:spTree>
+      <p:nvGrpSpPr>
         <p:cNvPr id="1" name="Shape 137"/>
         <p:cNvGrpSpPr/>
         <p:nvPr/>
@@ -1682,7 +1792,7 @@
         <p:spPr>
           <a:xfrm>
             <a:off x="481013" y="1279525"/>
-            <a:ext cx="6140400" cy="3454500"/>
+            <a:ext cx="6140450" cy="3454400"/>
           </a:xfrm>
           <a:custGeom>
             <a:avLst/>
@@ -1718,7 +1828,7 @@
 </p:notes>
 </file>
 
-<file path=ppt/notesSlides/notesSlide11.xml><?xml version="1.0" encoding="utf-8"?>
+<file path=ppt/notesSlides/notesSlide12.xml><?xml version="1.0" encoding="utf-8"?>
 <p:notes xmlns:a="http://schemas.openxmlformats.org/drawingml/2006/main" xmlns:r="http://schemas.openxmlformats.org/officeDocument/2006/relationships" xmlns:p="http://schemas.openxmlformats.org/presentationml/2006/main" showMasterSp="0" showMasterPhAnim="0">
   <p:cSld>
     <p:spTree>
@@ -1822,7 +1932,7 @@
 </p:notes>
 </file>
 
-<file path=ppt/notesSlides/notesSlide12.xml><?xml version="1.0" encoding="utf-8"?>
+<file path=ppt/notesSlides/notesSlide13.xml><?xml version="1.0" encoding="utf-8"?>
 <p:notes xmlns:a="http://schemas.openxmlformats.org/drawingml/2006/main" xmlns:r="http://schemas.openxmlformats.org/officeDocument/2006/relationships" xmlns:p="http://schemas.openxmlformats.org/presentationml/2006/main" showMasterSp="0" showMasterPhAnim="0">
   <p:cSld>
     <p:spTree>
@@ -2202,7 +2312,7 @@
         <p:spPr>
           <a:xfrm>
             <a:off x="481013" y="1279525"/>
-            <a:ext cx="6140400" cy="3454500"/>
+            <a:ext cx="6140450" cy="3454400"/>
           </a:xfrm>
           <a:custGeom>
             <a:avLst/>
@@ -2306,7 +2416,7 @@
         <p:spPr>
           <a:xfrm>
             <a:off x="481013" y="1279525"/>
-            <a:ext cx="6140400" cy="3454500"/>
+            <a:ext cx="6140450" cy="3454400"/>
           </a:xfrm>
           <a:custGeom>
             <a:avLst/>
@@ -2410,7 +2520,7 @@
         <p:spPr>
           <a:xfrm>
             <a:off x="481013" y="1279525"/>
-            <a:ext cx="6140400" cy="3454500"/>
+            <a:ext cx="6140450" cy="3454400"/>
           </a:xfrm>
           <a:custGeom>
             <a:avLst/>
@@ -2447,6 +2557,115 @@
 </file>
 
 <file path=ppt/notesSlides/notesSlide7.xml><?xml version="1.0" encoding="utf-8"?>
+<p:notes xmlns:a="http://schemas.openxmlformats.org/drawingml/2006/main" xmlns:r="http://schemas.openxmlformats.org/officeDocument/2006/relationships" xmlns:p="http://schemas.openxmlformats.org/presentationml/2006/main" showMasterSp="0" showMasterPhAnim="0">
+  <p:cSld>
+    <p:spTree>
+      <p:nvGrpSpPr>
+        <p:cNvPr id="1" name="Shape 102"/>
+        <p:cNvGrpSpPr/>
+        <p:nvPr/>
+      </p:nvGrpSpPr>
+      <p:grpSpPr>
+        <a:xfrm>
+          <a:off x="0" y="0"/>
+          <a:ext cx="0" cy="0"/>
+          <a:chOff x="0" y="0"/>
+          <a:chExt cx="0" cy="0"/>
+        </a:xfrm>
+      </p:grpSpPr>
+      <p:sp>
+        <p:nvSpPr>
+          <p:cNvPr id="103" name="Google Shape;103;g36e776ec5a1_0_26:notes"/>
+          <p:cNvSpPr txBox="1">
+            <a:spLocks noGrp="1"/>
+          </p:cNvSpPr>
+          <p:nvPr>
+            <p:ph type="body" idx="1"/>
+          </p:nvPr>
+        </p:nvSpPr>
+        <p:spPr>
+          <a:xfrm>
+            <a:off x="710248" y="4925407"/>
+            <a:ext cx="5682000" cy="4029900"/>
+          </a:xfrm>
+          <a:prstGeom prst="rect">
+            <a:avLst/>
+          </a:prstGeom>
+        </p:spPr>
+        <p:txBody>
+          <a:bodyPr spcFirstLastPara="1" wrap="square" lIns="99050" tIns="49525" rIns="99050" bIns="49525" anchor="t" anchorCtr="0">
+            <a:noAutofit/>
+          </a:bodyPr>
+          <a:lstStyle/>
+          <a:p>
+            <a:pPr marL="0" lvl="0" indent="0" algn="l" rtl="0">
+              <a:spcBef>
+                <a:spcPts val="0"/>
+              </a:spcBef>
+              <a:spcAft>
+                <a:spcPts val="0"/>
+              </a:spcAft>
+              <a:buNone/>
+            </a:pPr>
+            <a:endParaRPr/>
+          </a:p>
+        </p:txBody>
+      </p:sp>
+      <p:sp>
+        <p:nvSpPr>
+          <p:cNvPr id="104" name="Google Shape;104;g36e776ec5a1_0_26:notes"/>
+          <p:cNvSpPr>
+            <a:spLocks noGrp="1" noRot="1" noChangeAspect="1"/>
+          </p:cNvSpPr>
+          <p:nvPr>
+            <p:ph type="sldImg" idx="2"/>
+          </p:nvPr>
+        </p:nvSpPr>
+        <p:spPr>
+          <a:xfrm>
+            <a:off x="481013" y="1279525"/>
+            <a:ext cx="6140450" cy="3454400"/>
+          </a:xfrm>
+          <a:custGeom>
+            <a:avLst/>
+            <a:gdLst/>
+            <a:ahLst/>
+            <a:cxnLst/>
+            <a:rect l="l" t="t" r="r" b="b"/>
+            <a:pathLst>
+              <a:path w="120000" h="120000" extrusionOk="0">
+                <a:moveTo>
+                  <a:pt x="0" y="0"/>
+                </a:moveTo>
+                <a:lnTo>
+                  <a:pt x="120000" y="0"/>
+                </a:lnTo>
+                <a:lnTo>
+                  <a:pt x="120000" y="120000"/>
+                </a:lnTo>
+                <a:lnTo>
+                  <a:pt x="0" y="120000"/>
+                </a:lnTo>
+                <a:close/>
+              </a:path>
+            </a:pathLst>
+          </a:custGeom>
+        </p:spPr>
+      </p:sp>
+    </p:spTree>
+    <p:extLst>
+      <p:ext uri="{BB962C8B-B14F-4D97-AF65-F5344CB8AC3E}">
+        <p14:creationId xmlns:p14="http://schemas.microsoft.com/office/powerpoint/2010/main" val="2097440307"/>
+      </p:ext>
+    </p:extLst>
+  </p:cSld>
+  <p:clrMapOvr>
+    <a:masterClrMapping/>
+  </p:clrMapOvr>
+</p:notes>
+</file>
+
+<file path=ppt/notesSlides/notesSlide8.xml><?xml version="1.0" encoding="utf-8"?>
 <p:notes xmlns:a="http://schemas.openxmlformats.org/drawingml/2006/main" xmlns:r="http://schemas.openxmlformats.org/officeDocument/2006/relationships" xmlns:p="http://schemas.openxmlformats.org/presentationml/2006/main" showMasterSp="0" showMasterPhAnim="0">
   <p:cSld>
     <p:spTree>
@@ -2550,7 +2769,7 @@
 </p:notes>
 </file>
 
-<file path=ppt/notesSlides/notesSlide8.xml><?xml version="1.0" encoding="utf-8"?>
+<file path=ppt/notesSlides/notesSlide9.xml><?xml version="1.0" encoding="utf-8"?>
 <p:notes xmlns:a="http://schemas.openxmlformats.org/drawingml/2006/main" xmlns:r="http://schemas.openxmlformats.org/officeDocument/2006/relationships" xmlns:p="http://schemas.openxmlformats.org/presentationml/2006/main" showMasterSp="0" showMasterPhAnim="0">
   <p:cSld>
     <p:spTree>
@@ -2619,110 +2838,6 @@
           <a:xfrm>
             <a:off x="481013" y="1279525"/>
             <a:ext cx="6140450" cy="3454400"/>
-          </a:xfrm>
-          <a:custGeom>
-            <a:avLst/>
-            <a:gdLst/>
-            <a:ahLst/>
-            <a:cxnLst/>
-            <a:rect l="l" t="t" r="r" b="b"/>
-            <a:pathLst>
-              <a:path w="120000" h="120000" extrusionOk="0">
-                <a:moveTo>
-                  <a:pt x="0" y="0"/>
-                </a:moveTo>
-                <a:lnTo>
-                  <a:pt x="120000" y="0"/>
-                </a:lnTo>
-                <a:lnTo>
-                  <a:pt x="120000" y="120000"/>
-                </a:lnTo>
-                <a:lnTo>
-                  <a:pt x="0" y="120000"/>
-                </a:lnTo>
-                <a:close/>
-              </a:path>
-            </a:pathLst>
-          </a:custGeom>
-        </p:spPr>
-      </p:sp>
-    </p:spTree>
-  </p:cSld>
-  <p:clrMapOvr>
-    <a:masterClrMapping/>
-  </p:clrMapOvr>
-</p:notes>
-</file>
-
-<file path=ppt/notesSlides/notesSlide9.xml><?xml version="1.0" encoding="utf-8"?>
-<p:notes xmlns:a="http://schemas.openxmlformats.org/drawingml/2006/main" xmlns:r="http://schemas.openxmlformats.org/officeDocument/2006/relationships" xmlns:p="http://schemas.openxmlformats.org/presentationml/2006/main" showMasterSp="0" showMasterPhAnim="0">
-  <p:cSld>
-    <p:spTree>
-      <p:nvGrpSpPr>
-        <p:cNvPr id="1" name="Shape 130"/>
-        <p:cNvGrpSpPr/>
-        <p:nvPr/>
-      </p:nvGrpSpPr>
-      <p:grpSpPr>
-        <a:xfrm>
-          <a:off x="0" y="0"/>
-          <a:ext cx="0" cy="0"/>
-          <a:chOff x="0" y="0"/>
-          <a:chExt cx="0" cy="0"/>
-        </a:xfrm>
-      </p:grpSpPr>
-      <p:sp>
-        <p:nvSpPr>
-          <p:cNvPr id="131" name="Google Shape;131;g36e7acd313d_0_23:notes"/>
-          <p:cNvSpPr txBox="1">
-            <a:spLocks noGrp="1"/>
-          </p:cNvSpPr>
-          <p:nvPr>
-            <p:ph type="body" idx="1"/>
-          </p:nvPr>
-        </p:nvSpPr>
-        <p:spPr>
-          <a:xfrm>
-            <a:off x="710248" y="4925407"/>
-            <a:ext cx="5682000" cy="4029900"/>
-          </a:xfrm>
-          <a:prstGeom prst="rect">
-            <a:avLst/>
-          </a:prstGeom>
-        </p:spPr>
-        <p:txBody>
-          <a:bodyPr spcFirstLastPara="1" wrap="square" lIns="99050" tIns="49525" rIns="99050" bIns="49525" anchor="t" anchorCtr="0">
-            <a:noAutofit/>
-          </a:bodyPr>
-          <a:lstStyle/>
-          <a:p>
-            <a:pPr marL="0" lvl="0" indent="0" algn="l" rtl="0">
-              <a:spcBef>
-                <a:spcPts val="0"/>
-              </a:spcBef>
-              <a:spcAft>
-                <a:spcPts val="0"/>
-              </a:spcAft>
-              <a:buNone/>
-            </a:pPr>
-            <a:endParaRPr/>
-          </a:p>
-        </p:txBody>
-      </p:sp>
-      <p:sp>
-        <p:nvSpPr>
-          <p:cNvPr id="132" name="Google Shape;132;g36e7acd313d_0_23:notes"/>
-          <p:cNvSpPr>
-            <a:spLocks noGrp="1" noRot="1" noChangeAspect="1"/>
-          </p:cNvSpPr>
-          <p:nvPr>
-            <p:ph type="sldImg" idx="2"/>
-          </p:nvPr>
-        </p:nvSpPr>
-        <p:spPr>
-          <a:xfrm>
-            <a:off x="481013" y="1279525"/>
-            <a:ext cx="6140400" cy="3454500"/>
           </a:xfrm>
           <a:custGeom>
             <a:avLst/>
@@ -11259,6 +11374,320 @@
 </file>
 
 <file path=ppt/slides/slide10.xml><?xml version="1.0" encoding="utf-8"?>
+<p:sld xmlns:a="http://schemas.openxmlformats.org/drawingml/2006/main" xmlns:r="http://schemas.openxmlformats.org/officeDocument/2006/relationships" xmlns:p="http://schemas.openxmlformats.org/presentationml/2006/main" show="0">
+  <p:cSld>
+    <p:spTree>
+      <p:nvGrpSpPr>
+        <p:cNvPr id="1" name="Shape 133"/>
+        <p:cNvGrpSpPr/>
+        <p:nvPr/>
+      </p:nvGrpSpPr>
+      <p:grpSpPr>
+        <a:xfrm>
+          <a:off x="0" y="0"/>
+          <a:ext cx="0" cy="0"/>
+          <a:chOff x="0" y="0"/>
+          <a:chExt cx="0" cy="0"/>
+        </a:xfrm>
+      </p:grpSpPr>
+      <p:sp>
+        <p:nvSpPr>
+          <p:cNvPr id="134" name="Google Shape;134;p17"/>
+          <p:cNvSpPr txBox="1">
+            <a:spLocks noGrp="1"/>
+          </p:cNvSpPr>
+          <p:nvPr>
+            <p:ph type="title"/>
+          </p:nvPr>
+        </p:nvSpPr>
+        <p:spPr>
+          <a:xfrm>
+            <a:off x="730475" y="764975"/>
+            <a:ext cx="9216000" cy="470100"/>
+          </a:xfrm>
+          <a:prstGeom prst="rect">
+            <a:avLst/>
+          </a:prstGeom>
+          <a:noFill/>
+          <a:ln>
+            <a:noFill/>
+          </a:ln>
+        </p:spPr>
+        <p:txBody>
+          <a:bodyPr spcFirstLastPara="1" wrap="square" lIns="0" tIns="54000" rIns="0" bIns="0" anchor="t" anchorCtr="0">
+            <a:spAutoFit/>
+          </a:bodyPr>
+          <a:lstStyle/>
+          <a:p>
+            <a:pPr marL="0" lvl="0" indent="0" algn="l" rtl="0">
+              <a:lnSpc>
+                <a:spcPct val="90000"/>
+              </a:lnSpc>
+              <a:spcBef>
+                <a:spcPts val="0"/>
+              </a:spcBef>
+              <a:spcAft>
+                <a:spcPts val="0"/>
+              </a:spcAft>
+              <a:buClr>
+                <a:schemeClr val="lt1"/>
+              </a:buClr>
+              <a:buSzPts val="8000"/>
+              <a:buFont typeface="Arial"/>
+              <a:buNone/>
+            </a:pPr>
+            <a:r>
+              <a:rPr lang="en-US" sz="3000"/>
+              <a:t>Key Takeaways</a:t>
+            </a:r>
+            <a:endParaRPr sz="3000"/>
+          </a:p>
+        </p:txBody>
+      </p:sp>
+      <p:sp>
+        <p:nvSpPr>
+          <p:cNvPr id="135" name="Google Shape;135;p17"/>
+          <p:cNvSpPr txBox="1">
+            <a:spLocks noGrp="1"/>
+          </p:cNvSpPr>
+          <p:nvPr>
+            <p:ph type="ftr" idx="11"/>
+          </p:nvPr>
+        </p:nvSpPr>
+        <p:spPr>
+          <a:xfrm>
+            <a:off x="1059160" y="6310800"/>
+            <a:ext cx="9216000" cy="547200"/>
+          </a:xfrm>
+          <a:prstGeom prst="rect">
+            <a:avLst/>
+          </a:prstGeom>
+          <a:noFill/>
+          <a:ln>
+            <a:noFill/>
+          </a:ln>
+        </p:spPr>
+        <p:txBody>
+          <a:bodyPr spcFirstLastPara="1" wrap="square" lIns="0" tIns="0" rIns="0" bIns="61200" anchor="ctr" anchorCtr="0">
+            <a:noAutofit/>
+          </a:bodyPr>
+          <a:lstStyle/>
+          <a:p>
+            <a:pPr marL="0" lvl="0" indent="0" algn="l" rtl="0">
+              <a:lnSpc>
+                <a:spcPct val="100000"/>
+              </a:lnSpc>
+              <a:spcBef>
+                <a:spcPts val="0"/>
+              </a:spcBef>
+              <a:spcAft>
+                <a:spcPts val="0"/>
+              </a:spcAft>
+              <a:buNone/>
+            </a:pPr>
+            <a:r>
+              <a:rPr lang="en-US"/>
+              <a:t>Restricted | © Siemens 2025 | Siemens Digital Industries Software</a:t>
+            </a:r>
+            <a:endParaRPr/>
+          </a:p>
+        </p:txBody>
+      </p:sp>
+      <p:sp>
+        <p:nvSpPr>
+          <p:cNvPr id="136" name="Google Shape;136;p17"/>
+          <p:cNvSpPr txBox="1"/>
+          <p:nvPr/>
+        </p:nvSpPr>
+        <p:spPr>
+          <a:xfrm>
+            <a:off x="1059150" y="1973275"/>
+            <a:ext cx="10688902" cy="3508623"/>
+          </a:xfrm>
+          <a:prstGeom prst="rect">
+            <a:avLst/>
+          </a:prstGeom>
+          <a:noFill/>
+          <a:ln>
+            <a:noFill/>
+          </a:ln>
+        </p:spPr>
+        <p:txBody>
+          <a:bodyPr spcFirstLastPara="1" wrap="square" lIns="91425" tIns="91425" rIns="91425" bIns="91425" anchor="t" anchorCtr="0">
+            <a:spAutoFit/>
+          </a:bodyPr>
+          <a:lstStyle/>
+          <a:p>
+            <a:pPr marL="457200" lvl="0" indent="-342900" algn="l" rtl="0">
+              <a:spcBef>
+                <a:spcPts val="0"/>
+              </a:spcBef>
+              <a:spcAft>
+                <a:spcPts val="0"/>
+              </a:spcAft>
+              <a:buClr>
+                <a:schemeClr val="lt1"/>
+              </a:buClr>
+              <a:buSzPts val="1800"/>
+              <a:buChar char="●"/>
+            </a:pPr>
+            <a:r>
+              <a:rPr lang="en-US" sz="1800" dirty="0">
+                <a:solidFill>
+                  <a:schemeClr val="lt1"/>
+                </a:solidFill>
+              </a:rPr>
+              <a:t>Gained understanding of enterprise PLM systems &amp; developed initial insights into how customization of their data models, workflows, and integrations is done to fit different business needs.</a:t>
+            </a:r>
+            <a:endParaRPr sz="1800" dirty="0">
+              <a:solidFill>
+                <a:schemeClr val="lt1"/>
+              </a:solidFill>
+            </a:endParaRPr>
+          </a:p>
+          <a:p>
+            <a:pPr marL="457200" lvl="0" indent="0" algn="l" rtl="0">
+              <a:spcBef>
+                <a:spcPts val="0"/>
+              </a:spcBef>
+              <a:spcAft>
+                <a:spcPts val="0"/>
+              </a:spcAft>
+              <a:buNone/>
+            </a:pPr>
+            <a:endParaRPr sz="1800" dirty="0">
+              <a:solidFill>
+                <a:schemeClr val="lt1"/>
+              </a:solidFill>
+            </a:endParaRPr>
+          </a:p>
+          <a:p>
+            <a:pPr marL="457200" lvl="0" indent="-342900" algn="l" rtl="0">
+              <a:spcBef>
+                <a:spcPts val="0"/>
+              </a:spcBef>
+              <a:spcAft>
+                <a:spcPts val="0"/>
+              </a:spcAft>
+              <a:buClr>
+                <a:schemeClr val="lt1"/>
+              </a:buClr>
+              <a:buSzPts val="1800"/>
+              <a:buChar char="●"/>
+            </a:pPr>
+            <a:r>
+              <a:rPr lang="en-US" sz="1800" dirty="0">
+                <a:solidFill>
+                  <a:schemeClr val="lt1"/>
+                </a:solidFill>
+              </a:rPr>
+              <a:t>Gained valuable insights into managing and organizing a large-scale Teamcenter codebase, including the use of abstraction and modularity. Learned how these principles are applied to maintain clarity, flexibility, and long-term sustainability in enterprise PLM systems.</a:t>
+            </a:r>
+            <a:endParaRPr sz="1800" dirty="0">
+              <a:solidFill>
+                <a:schemeClr val="lt1"/>
+              </a:solidFill>
+            </a:endParaRPr>
+          </a:p>
+          <a:p>
+            <a:pPr marL="457200" lvl="0" indent="0" algn="l" rtl="0">
+              <a:spcBef>
+                <a:spcPts val="0"/>
+              </a:spcBef>
+              <a:spcAft>
+                <a:spcPts val="0"/>
+              </a:spcAft>
+              <a:buNone/>
+            </a:pPr>
+            <a:endParaRPr sz="1800" dirty="0">
+              <a:solidFill>
+                <a:schemeClr val="lt1"/>
+              </a:solidFill>
+            </a:endParaRPr>
+          </a:p>
+          <a:p>
+            <a:pPr marL="457200" lvl="0" indent="-342900" algn="l" rtl="0">
+              <a:spcBef>
+                <a:spcPts val="0"/>
+              </a:spcBef>
+              <a:spcAft>
+                <a:spcPts val="0"/>
+              </a:spcAft>
+              <a:buClr>
+                <a:schemeClr val="lt1"/>
+              </a:buClr>
+              <a:buSzPts val="1800"/>
+              <a:buChar char="●"/>
+            </a:pPr>
+            <a:r>
+              <a:rPr lang="en-US" sz="1800" dirty="0">
+                <a:solidFill>
+                  <a:schemeClr val="lt1"/>
+                </a:solidFill>
+              </a:rPr>
+              <a:t>Enhanced my skills in understanding code, visualizing process flows, debugging.</a:t>
+            </a:r>
+            <a:endParaRPr sz="1800" dirty="0">
+              <a:solidFill>
+                <a:schemeClr val="lt1"/>
+              </a:solidFill>
+            </a:endParaRPr>
+          </a:p>
+          <a:p>
+            <a:pPr marL="457200" lvl="0" indent="0" algn="l" rtl="0">
+              <a:spcBef>
+                <a:spcPts val="0"/>
+              </a:spcBef>
+              <a:spcAft>
+                <a:spcPts val="0"/>
+              </a:spcAft>
+              <a:buNone/>
+            </a:pPr>
+            <a:endParaRPr sz="1800" dirty="0">
+              <a:solidFill>
+                <a:schemeClr val="lt1"/>
+              </a:solidFill>
+            </a:endParaRPr>
+          </a:p>
+          <a:p>
+            <a:pPr marL="457200" lvl="0" indent="-342900" algn="l" rtl="0">
+              <a:spcBef>
+                <a:spcPts val="0"/>
+              </a:spcBef>
+              <a:spcAft>
+                <a:spcPts val="0"/>
+              </a:spcAft>
+              <a:buClr>
+                <a:schemeClr val="lt1"/>
+              </a:buClr>
+              <a:buSzPts val="1800"/>
+              <a:buChar char="●"/>
+            </a:pPr>
+            <a:r>
+              <a:rPr lang="en-US" sz="1800" dirty="0">
+                <a:solidFill>
+                  <a:schemeClr val="lt1"/>
+                </a:solidFill>
+              </a:rPr>
+              <a:t>Overall as the first experience in corporate shrugged my nervousness and built confidence in my ability to contribute and be productive in a professional environment.</a:t>
+            </a:r>
+            <a:endParaRPr sz="1800" dirty="0">
+              <a:solidFill>
+                <a:schemeClr val="lt1"/>
+              </a:solidFill>
+            </a:endParaRPr>
+          </a:p>
+        </p:txBody>
+      </p:sp>
+    </p:spTree>
+  </p:cSld>
+  <p:clrMapOvr>
+    <a:masterClrMapping/>
+  </p:clrMapOvr>
+</p:sld>
+</file>
+
+<file path=ppt/slides/slide11.xml><?xml version="1.0" encoding="utf-8"?>
 <p:sld xmlns:a="http://schemas.openxmlformats.org/drawingml/2006/main" xmlns:r="http://schemas.openxmlformats.org/officeDocument/2006/relationships" xmlns:p="http://schemas.openxmlformats.org/presentationml/2006/main">
   <p:cSld>
     <p:spTree>
@@ -11322,10 +11751,10 @@
               <a:buNone/>
             </a:pPr>
             <a:r>
-              <a:rPr lang="en-US" sz="3000"/>
-              <a:t>Improvements &amp; Future Steps</a:t>
+              <a:rPr lang="en-US" sz="3000" dirty="0"/>
+              <a:t>Future Steps</a:t>
             </a:r>
-            <a:endParaRPr sz="3000"/>
+            <a:endParaRPr sz="3000" dirty="0"/>
           </a:p>
         </p:txBody>
       </p:sp>
@@ -11428,8 +11857,8 @@
         </p:nvSpPr>
         <p:spPr>
           <a:xfrm>
-            <a:off x="1059150" y="2073075"/>
-            <a:ext cx="8212500" cy="3232500"/>
+            <a:off x="943875" y="2213095"/>
+            <a:ext cx="10350972" cy="2123628"/>
           </a:xfrm>
           <a:prstGeom prst="rect">
             <a:avLst/>
@@ -11459,14 +11888,14 @@
               <a:buChar char="●"/>
             </a:pPr>
             <a:r>
-              <a:rPr lang="en-US" sz="1800">
+              <a:rPr lang="en-US" sz="1800" dirty="0">
                 <a:solidFill>
                   <a:schemeClr val="lt1"/>
                 </a:solidFill>
               </a:rPr>
               <a:t>Error handling needs to be more robust and thoroughly tested to ensure meaningful error propagation, structured error codes.</a:t>
             </a:r>
-            <a:endParaRPr sz="1800">
+            <a:endParaRPr sz="1800" dirty="0">
               <a:solidFill>
                 <a:schemeClr val="lt1"/>
               </a:solidFill>
@@ -11482,7 +11911,7 @@
               </a:spcAft>
               <a:buNone/>
             </a:pPr>
-            <a:endParaRPr sz="1800">
+            <a:endParaRPr sz="1800" dirty="0">
               <a:solidFill>
                 <a:schemeClr val="lt1"/>
               </a:solidFill>
@@ -11503,14 +11932,14 @@
               <a:buChar char="●"/>
             </a:pPr>
             <a:r>
-              <a:rPr lang="en-US" sz="1800">
+              <a:rPr lang="en-US" sz="1800" dirty="0">
                 <a:solidFill>
                   <a:schemeClr val="lt1"/>
                 </a:solidFill>
               </a:rPr>
               <a:t>File validation needs to be added to check the syntax of content in the CSV file.</a:t>
             </a:r>
-            <a:endParaRPr sz="1800">
+            <a:endParaRPr sz="1800" dirty="0">
               <a:solidFill>
                 <a:schemeClr val="lt1"/>
               </a:solidFill>
@@ -11526,7 +11955,7 @@
               </a:spcAft>
               <a:buNone/>
             </a:pPr>
-            <a:endParaRPr sz="1800">
+            <a:endParaRPr sz="1800" dirty="0">
               <a:solidFill>
                 <a:schemeClr val="lt1"/>
               </a:solidFill>
@@ -11547,58 +11976,14 @@
               <a:buChar char="●"/>
             </a:pPr>
             <a:r>
-              <a:rPr lang="en-US" sz="1800">
+              <a:rPr lang="en-US" sz="1800" dirty="0">
                 <a:solidFill>
                   <a:schemeClr val="lt1"/>
                 </a:solidFill>
               </a:rPr>
               <a:t>Limitations in mapping functionality of utilities needs to be overcome in order to give more options for users to use different attributes of objects to be referred.</a:t>
             </a:r>
-            <a:endParaRPr sz="1800">
-              <a:solidFill>
-                <a:schemeClr val="lt1"/>
-              </a:solidFill>
-            </a:endParaRPr>
-          </a:p>
-          <a:p>
-            <a:pPr marL="457200" lvl="0" indent="0" algn="l" rtl="0">
-              <a:spcBef>
-                <a:spcPts val="0"/>
-              </a:spcBef>
-              <a:spcAft>
-                <a:spcPts val="0"/>
-              </a:spcAft>
-              <a:buNone/>
-            </a:pPr>
-            <a:endParaRPr sz="1800">
-              <a:solidFill>
-                <a:schemeClr val="lt1"/>
-              </a:solidFill>
-            </a:endParaRPr>
-          </a:p>
-          <a:p>
-            <a:pPr marL="457200" lvl="0" indent="-342900" algn="l" rtl="0">
-              <a:spcBef>
-                <a:spcPts val="0"/>
-              </a:spcBef>
-              <a:spcAft>
-                <a:spcPts val="0"/>
-              </a:spcAft>
-              <a:buClr>
-                <a:schemeClr val="lt1"/>
-              </a:buClr>
-              <a:buSzPts val="1800"/>
-              <a:buChar char="●"/>
-            </a:pPr>
-            <a:r>
-              <a:rPr lang="en-US" sz="1800">
-                <a:solidFill>
-                  <a:schemeClr val="lt1"/>
-                </a:solidFill>
-              </a:rPr>
-              <a:t>POC to Productization.</a:t>
-            </a:r>
-            <a:endParaRPr sz="1800">
+            <a:endParaRPr sz="1800" dirty="0">
               <a:solidFill>
                 <a:schemeClr val="lt1"/>
               </a:solidFill>
@@ -11606,6 +11991,36 @@
           </a:p>
         </p:txBody>
       </p:sp>
+      <p:pic>
+        <p:nvPicPr>
+          <p:cNvPr id="5" name="Picture 4">
+            <a:extLst>
+              <a:ext uri="{FF2B5EF4-FFF2-40B4-BE49-F238E27FC236}">
+                <a16:creationId xmlns:a16="http://schemas.microsoft.com/office/drawing/2014/main" id="{E8F6DEF6-5550-903B-546B-63F224E1D733}"/>
+              </a:ext>
+            </a:extLst>
+          </p:cNvPr>
+          <p:cNvPicPr>
+            <a:picLocks noChangeAspect="1"/>
+          </p:cNvPicPr>
+          <p:nvPr/>
+        </p:nvPicPr>
+        <p:blipFill>
+          <a:blip r:embed="rId3"/>
+          <a:stretch>
+            <a:fillRect/>
+          </a:stretch>
+        </p:blipFill>
+        <p:spPr>
+          <a:xfrm>
+            <a:off x="9372600" y="496363"/>
+            <a:ext cx="1205982" cy="1205982"/>
+          </a:xfrm>
+          <a:prstGeom prst="rect">
+            <a:avLst/>
+          </a:prstGeom>
+        </p:spPr>
+      </p:pic>
     </p:spTree>
   </p:cSld>
   <p:clrMapOvr>
@@ -11614,7 +12029,7 @@
 </p:sld>
 </file>
 
-<file path=ppt/slides/slide11.xml><?xml version="1.0" encoding="utf-8"?>
+<file path=ppt/slides/slide12.xml><?xml version="1.0" encoding="utf-8"?>
 <p:sld xmlns:a="http://schemas.openxmlformats.org/drawingml/2006/main" xmlns:r="http://schemas.openxmlformats.org/officeDocument/2006/relationships" xmlns:p="http://schemas.openxmlformats.org/presentationml/2006/main">
   <p:cSld>
     <p:spTree>
@@ -11678,10 +12093,10 @@
               <a:buNone/>
             </a:pPr>
             <a:r>
-              <a:rPr lang="en-US" sz="3000"/>
+              <a:rPr lang="en-US" sz="3000" dirty="0"/>
               <a:t>Acknowledgement</a:t>
             </a:r>
-            <a:endParaRPr sz="3000"/>
+            <a:endParaRPr sz="3000" dirty="0"/>
           </a:p>
         </p:txBody>
       </p:sp>
@@ -12080,7 +12495,7 @@
 </p:sld>
 </file>
 
-<file path=ppt/slides/slide12.xml><?xml version="1.0" encoding="utf-8"?>
+<file path=ppt/slides/slide13.xml><?xml version="1.0" encoding="utf-8"?>
 <p:sld xmlns:a="http://schemas.openxmlformats.org/drawingml/2006/main" xmlns:r="http://schemas.openxmlformats.org/officeDocument/2006/relationships" xmlns:p="http://schemas.openxmlformats.org/presentationml/2006/main">
   <p:cSld>
     <p:spTree>
@@ -12237,8 +12652,8 @@
         </p:nvSpPr>
         <p:spPr>
           <a:xfrm>
-            <a:off x="1059150" y="2853751"/>
-            <a:ext cx="9216000" cy="2113800"/>
+            <a:off x="1059160" y="2873628"/>
+            <a:ext cx="9216000" cy="2225145"/>
           </a:xfrm>
           <a:prstGeom prst="rect">
             <a:avLst/>
@@ -12272,7 +12687,7 @@
               <a:buChar char="●"/>
             </a:pPr>
             <a:r>
-              <a:rPr lang="en-US" b="0" i="0" u="none" strike="noStrike" cap="none">
+              <a:rPr lang="en-US" b="0" i="0" u="none" strike="noStrike" cap="none" dirty="0">
                 <a:solidFill>
                   <a:srgbClr val="FFFFFF"/>
                 </a:solidFill>
@@ -12283,7 +12698,7 @@
               </a:rPr>
               <a:t>Problem statement</a:t>
             </a:r>
-            <a:endParaRPr/>
+            <a:endParaRPr dirty="0"/>
           </a:p>
           <a:p>
             <a:pPr marL="457200" marR="0" lvl="0" indent="-342900" algn="l" rtl="0">
@@ -12304,7 +12719,7 @@
               <a:buChar char="●"/>
             </a:pPr>
             <a:r>
-              <a:rPr lang="en-US" b="0" i="0" u="none" strike="noStrike" cap="none">
+              <a:rPr lang="en-US" b="0" i="0" u="none" strike="noStrike" cap="none" dirty="0">
                 <a:solidFill>
                   <a:srgbClr val="FFFFFF"/>
                 </a:solidFill>
@@ -12315,7 +12730,7 @@
               </a:rPr>
               <a:t>Solution approach</a:t>
             </a:r>
-            <a:endParaRPr/>
+            <a:endParaRPr dirty="0"/>
           </a:p>
           <a:p>
             <a:pPr marL="457200" marR="0" lvl="0" indent="-342900" algn="l" rtl="0">
@@ -12336,7 +12751,7 @@
               <a:buChar char="●"/>
             </a:pPr>
             <a:r>
-              <a:rPr lang="en-US" b="0" i="0" u="none" strike="noStrike" cap="none">
+              <a:rPr lang="en-US" b="0" i="0" u="none" strike="noStrike" cap="none" dirty="0">
                 <a:solidFill>
                   <a:srgbClr val="FFFFFF"/>
                 </a:solidFill>
@@ -12347,7 +12762,7 @@
               </a:rPr>
               <a:t>Demonstration of the solution</a:t>
             </a:r>
-            <a:endParaRPr/>
+            <a:endParaRPr dirty="0"/>
           </a:p>
           <a:p>
             <a:pPr marL="457200" marR="0" lvl="0" indent="-342900" algn="l" rtl="0">
@@ -12368,7 +12783,7 @@
               <a:buChar char="●"/>
             </a:pPr>
             <a:r>
-              <a:rPr lang="en-US" b="0" i="0" u="none" strike="noStrike" cap="none">
+              <a:rPr lang="en-US" b="0" i="0" u="none" strike="noStrike" cap="none" dirty="0">
                 <a:solidFill>
                   <a:srgbClr val="FFFFFF"/>
                 </a:solidFill>
@@ -12379,7 +12794,7 @@
               </a:rPr>
               <a:t>Key take aways / learnings from the project</a:t>
             </a:r>
-            <a:endParaRPr/>
+            <a:endParaRPr dirty="0"/>
           </a:p>
           <a:p>
             <a:pPr marL="457200" marR="0" lvl="0" indent="-342900" algn="l" rtl="0">
@@ -12399,14 +12814,13 @@
               <a:buChar char="●"/>
             </a:pPr>
             <a:r>
-              <a:rPr lang="en-US">
+              <a:rPr lang="en-US" dirty="0">
                 <a:solidFill>
                   <a:srgbClr val="FFFFFF"/>
                 </a:solidFill>
               </a:rPr>
-              <a:t>Improvements &amp; Future work</a:t>
+              <a:t>Future work</a:t>
             </a:r>
-            <a:endParaRPr/>
           </a:p>
           <a:p>
             <a:pPr marL="457200" marR="0" lvl="0" indent="-342900" algn="l" rtl="0">
@@ -12426,14 +12840,41 @@
               <a:buChar char="●"/>
             </a:pPr>
             <a:r>
-              <a:rPr lang="en-US">
+              <a:rPr lang="en-US" dirty="0">
+                <a:solidFill>
+                  <a:srgbClr val="FFFFFF"/>
+                </a:solidFill>
+              </a:rPr>
+              <a:t>Acknowledgement</a:t>
+            </a:r>
+            <a:endParaRPr dirty="0"/>
+          </a:p>
+          <a:p>
+            <a:pPr marL="457200" marR="0" lvl="0" indent="-342900" algn="l" rtl="0">
+              <a:lnSpc>
+                <a:spcPct val="110000"/>
+              </a:lnSpc>
+              <a:spcBef>
+                <a:spcPts val="0"/>
+              </a:spcBef>
+              <a:spcAft>
+                <a:spcPts val="0"/>
+              </a:spcAft>
+              <a:buClr>
+                <a:srgbClr val="FFFFFF"/>
+              </a:buClr>
+              <a:buSzPts val="1800"/>
+              <a:buChar char="●"/>
+            </a:pPr>
+            <a:r>
+              <a:rPr lang="en-US" dirty="0">
                 <a:solidFill>
                   <a:srgbClr val="FFFFFF"/>
                 </a:solidFill>
               </a:rPr>
               <a:t>Q&amp;A</a:t>
             </a:r>
-            <a:endParaRPr/>
+            <a:endParaRPr dirty="0"/>
           </a:p>
           <a:p>
             <a:pPr marL="0" lvl="0" indent="0" algn="l" rtl="0">
@@ -12452,7 +12893,7 @@
               <a:buSzPts val="1800"/>
               <a:buNone/>
             </a:pPr>
-            <a:endParaRPr b="1">
+            <a:endParaRPr b="1" dirty="0">
               <a:solidFill>
                 <a:schemeClr val="accent1"/>
               </a:solidFill>
@@ -12641,7 +13082,7 @@
         </p:nvSpPr>
         <p:spPr>
           <a:xfrm>
-            <a:off x="558900" y="959300"/>
+            <a:off x="565712" y="619560"/>
             <a:ext cx="9798900" cy="576000"/>
           </a:xfrm>
           <a:prstGeom prst="rect">
@@ -12676,10 +13117,10 @@
               <a:buNone/>
             </a:pPr>
             <a:r>
-              <a:rPr lang="en-US" sz="3000"/>
+              <a:rPr lang="en-US" sz="3000" dirty="0"/>
               <a:t>Problem Statement</a:t>
             </a:r>
-            <a:endParaRPr sz="3000"/>
+            <a:endParaRPr sz="3000" dirty="0"/>
           </a:p>
         </p:txBody>
       </p:sp>
@@ -12725,10 +13166,10 @@
               <a:buNone/>
             </a:pPr>
             <a:r>
-              <a:rPr lang="en-US"/>
+              <a:rPr lang="en-US" dirty="0"/>
               <a:t>Restricted | © Siemens 2025 | Siemens Digital Industries Software</a:t>
             </a:r>
-            <a:endParaRPr/>
+            <a:endParaRPr dirty="0"/>
           </a:p>
         </p:txBody>
       </p:sp>
@@ -12740,8 +13181,8 @@
         </p:nvSpPr>
         <p:spPr>
           <a:xfrm>
-            <a:off x="411175" y="1670650"/>
-            <a:ext cx="9490500" cy="507900"/>
+            <a:off x="476260" y="1292651"/>
+            <a:ext cx="9490500" cy="553968"/>
           </a:xfrm>
           <a:prstGeom prst="rect">
             <a:avLst/>
@@ -12757,27 +13198,60 @@
           </a:bodyPr>
           <a:lstStyle/>
           <a:p>
-            <a:pPr marL="0" lvl="0" indent="0" algn="l" rtl="0">
-              <a:spcBef>
-                <a:spcPts val="0"/>
-              </a:spcBef>
-              <a:spcAft>
-                <a:spcPts val="0"/>
-              </a:spcAft>
-              <a:buNone/>
+            <a:pPr marL="342900" lvl="0" indent="-342900" algn="l" rtl="0">
+              <a:spcBef>
+                <a:spcPts val="0"/>
+              </a:spcBef>
+              <a:spcAft>
+                <a:spcPts val="0"/>
+              </a:spcAft>
+              <a:buClr>
+                <a:schemeClr val="bg1"/>
+              </a:buClr>
+              <a:buFont typeface="Wingdings" panose="05000000000000000000" pitchFamily="2" charset="2"/>
+              <a:buChar char="Ø"/>
             </a:pPr>
             <a:r>
-              <a:rPr lang="en-US" sz="2100">
+              <a:rPr lang="en-US" sz="2100" dirty="0">
                 <a:solidFill>
                   <a:schemeClr val="lt1"/>
                 </a:solidFill>
+                <a:latin typeface="Georgia Pro Semibold" panose="020B0604020202020204" pitchFamily="18" charset="0"/>
               </a:rPr>
-              <a:t>Creating utility to import Bulk Vendor Data into Teamcenter from a CSV .</a:t>
+              <a:t>Bulk Import </a:t>
             </a:r>
-            <a:endParaRPr sz="2100">
+            <a:r>
+              <a:rPr lang="en-US" sz="2400" dirty="0">
+                <a:solidFill>
+                  <a:schemeClr val="lt1"/>
+                </a:solidFill>
+                <a:latin typeface="Georgia Pro Semibold" panose="020B0604020202020204" pitchFamily="18" charset="0"/>
+              </a:rPr>
+              <a:t>Vendors</a:t>
+            </a:r>
+            <a:r>
+              <a:rPr lang="en-US" sz="2100" dirty="0">
+                <a:solidFill>
+                  <a:schemeClr val="lt1"/>
+                </a:solidFill>
+                <a:latin typeface="Georgia Pro Semibold" panose="020B0604020202020204" pitchFamily="18" charset="0"/>
+              </a:rPr>
+              <a:t> via AW UI for </a:t>
+            </a:r>
+            <a:r>
+              <a:rPr lang="en-US" sz="2100" dirty="0" err="1">
+                <a:solidFill>
+                  <a:schemeClr val="lt1"/>
+                </a:solidFill>
+                <a:latin typeface="Georgia Pro Semibold" panose="020B0604020202020204" pitchFamily="18" charset="0"/>
+              </a:rPr>
+              <a:t>TcX</a:t>
+            </a:r>
+            <a:endParaRPr lang="en-US" sz="2100" dirty="0">
               <a:solidFill>
                 <a:schemeClr val="lt1"/>
               </a:solidFill>
+              <a:latin typeface="Georgia Pro Semibold" panose="020B0604020202020204" pitchFamily="18" charset="0"/>
             </a:endParaRPr>
           </a:p>
         </p:txBody>
@@ -12790,8 +13264,8 @@
         </p:nvSpPr>
         <p:spPr>
           <a:xfrm>
-            <a:off x="558900" y="2651200"/>
-            <a:ext cx="5945400" cy="2543700"/>
+            <a:off x="476260" y="1885010"/>
+            <a:ext cx="11715740" cy="724680"/>
           </a:xfrm>
           <a:prstGeom prst="rect">
             <a:avLst/>
@@ -12807,7 +13281,7 @@
           </a:bodyPr>
           <a:lstStyle/>
           <a:p>
-            <a:pPr marL="0" lvl="0" indent="0" algn="just" rtl="0">
+            <a:pPr marL="0" lvl="0" indent="0" rtl="0">
               <a:spcBef>
                 <a:spcPts val="0"/>
               </a:spcBef>
@@ -12817,14 +13291,30 @@
               <a:buNone/>
             </a:pPr>
             <a:r>
-              <a:rPr lang="en-US" sz="1600">
+              <a:rPr lang="en-US" sz="1800" dirty="0">
                 <a:solidFill>
                   <a:schemeClr val="lt1"/>
                 </a:solidFill>
               </a:rPr>
-              <a:t>Streamline and automate the process of onboarding multiple vendors by enabling users to efficiently import large volumes of vendor data into Teamcenter directly from CSV files, reducing manual effort, minimizing errors, and accelerating data integration.</a:t>
+              <a:t>Streamline the process of onboarding multiple vendors by enabling users to efficiently import large volumes of vendor into </a:t>
             </a:r>
-            <a:endParaRPr sz="2000">
+            <a:r>
+              <a:rPr lang="en-US" sz="1700" dirty="0">
+                <a:solidFill>
+                  <a:schemeClr val="lt1"/>
+                </a:solidFill>
+              </a:rPr>
+              <a:t>Teamcenter</a:t>
+            </a:r>
+            <a:r>
+              <a:rPr lang="en-US" sz="1800" dirty="0">
+                <a:solidFill>
+                  <a:schemeClr val="lt1"/>
+                </a:solidFill>
+              </a:rPr>
+              <a:t> using AW UI, reducing manual effort, minimizing errors, and accelerating data integration.</a:t>
+            </a:r>
+            <a:endParaRPr sz="1800" dirty="0">
               <a:solidFill>
                 <a:schemeClr val="lt1"/>
               </a:solidFill>
@@ -12848,7 +13338,7 @@
         </p:blipFill>
         <p:spPr>
           <a:xfrm>
-            <a:off x="6898800" y="2651200"/>
+            <a:off x="3695935" y="2794550"/>
             <a:ext cx="3942450" cy="3516250"/>
           </a:xfrm>
           <a:prstGeom prst="rect">
@@ -12858,6 +13348,36 @@
           <a:ln>
             <a:noFill/>
           </a:ln>
+        </p:spPr>
+      </p:pic>
+      <p:pic>
+        <p:nvPicPr>
+          <p:cNvPr id="7" name="Picture 6">
+            <a:extLst>
+              <a:ext uri="{FF2B5EF4-FFF2-40B4-BE49-F238E27FC236}">
+                <a16:creationId xmlns:a16="http://schemas.microsoft.com/office/drawing/2014/main" id="{6EDA553F-2D03-3020-8BB4-1AD5622DA1B8}"/>
+              </a:ext>
+            </a:extLst>
+          </p:cNvPr>
+          <p:cNvPicPr>
+            <a:picLocks noChangeAspect="1"/>
+          </p:cNvPicPr>
+          <p:nvPr/>
+        </p:nvPicPr>
+        <p:blipFill>
+          <a:blip r:embed="rId4"/>
+          <a:stretch>
+            <a:fillRect/>
+          </a:stretch>
+        </p:blipFill>
+        <p:spPr>
+          <a:xfrm>
+            <a:off x="10364612" y="511651"/>
+            <a:ext cx="791817" cy="791817"/>
+          </a:xfrm>
+          <a:prstGeom prst="rect">
+            <a:avLst/>
+          </a:prstGeom>
         </p:spPr>
       </p:pic>
     </p:spTree>
@@ -12897,7 +13417,7 @@
         </p:nvSpPr>
         <p:spPr>
           <a:xfrm>
-            <a:off x="787500" y="1177775"/>
+            <a:off x="642548" y="975342"/>
             <a:ext cx="9216000" cy="470100"/>
           </a:xfrm>
           <a:prstGeom prst="rect">
@@ -12932,10 +13452,10 @@
               <a:buNone/>
             </a:pPr>
             <a:r>
-              <a:rPr lang="en-US" sz="3000"/>
+              <a:rPr lang="en-US" sz="3000" dirty="0"/>
               <a:t>Solution Approach</a:t>
             </a:r>
-            <a:endParaRPr sz="3000"/>
+            <a:endParaRPr sz="3000" dirty="0"/>
           </a:p>
         </p:txBody>
       </p:sp>
@@ -12951,8 +13471,8 @@
         </p:nvSpPr>
         <p:spPr>
           <a:xfrm>
-            <a:off x="874575" y="2283225"/>
-            <a:ext cx="10728000" cy="2698500"/>
+            <a:off x="851270" y="2230676"/>
+            <a:ext cx="10728000" cy="2251871"/>
           </a:xfrm>
           <a:prstGeom prst="rect">
             <a:avLst/>
@@ -12982,26 +13502,26 @@
               <a:buChar char="●"/>
             </a:pPr>
             <a:r>
-              <a:rPr lang="en-US" sz="1800"/>
+              <a:rPr lang="en-US" sz="2000" dirty="0"/>
               <a:t>Leveraged </a:t>
             </a:r>
             <a:r>
-              <a:rPr lang="en-US" sz="1800" b="1"/>
+              <a:rPr lang="en-US" sz="2000" b="1" dirty="0"/>
               <a:t>csv2tcxml</a:t>
             </a:r>
             <a:r>
-              <a:rPr lang="en-US" sz="1800"/>
+              <a:rPr lang="en-US" sz="2000" dirty="0"/>
               <a:t> &amp; </a:t>
             </a:r>
             <a:r>
-              <a:rPr lang="en-US" sz="1800" b="1"/>
+              <a:rPr lang="en-US" sz="2000" b="1" dirty="0" err="1"/>
               <a:t>tcxml_import</a:t>
             </a:r>
             <a:r>
-              <a:rPr lang="en-US" sz="1800"/>
+              <a:rPr lang="en-US" sz="2000" dirty="0"/>
               <a:t> utilities to avoid reinventing the wheel.</a:t>
             </a:r>
-            <a:endParaRPr sz="1800"/>
+            <a:endParaRPr sz="2000" dirty="0"/>
           </a:p>
           <a:p>
             <a:pPr marL="457200" lvl="0" indent="0" algn="l" rtl="0">
@@ -13016,7 +13536,7 @@
               </a:spcAft>
               <a:buNone/>
             </a:pPr>
-            <a:endParaRPr sz="1800"/>
+            <a:endParaRPr sz="2000" dirty="0"/>
           </a:p>
           <a:p>
             <a:pPr marL="457200" lvl="0" indent="-342900" algn="l" rtl="0">
@@ -13033,13 +13553,12 @@
               <a:buChar char="●"/>
             </a:pPr>
             <a:r>
-              <a:rPr lang="en-US" sz="1800"/>
-              <a:t>Created a SOA service which executes csv2tcxml &amp; tcxml_import utilities to achieve bulk data import from a csv.</a:t>
+              <a:rPr lang="en-US" sz="2000" dirty="0"/>
+              <a:t>Created a SOA service which executes utilities to achieve bulk data import.</a:t>
             </a:r>
-            <a:endParaRPr sz="1800"/>
           </a:p>
           <a:p>
-            <a:pPr marL="457200" lvl="0" indent="0" algn="l" rtl="0">
+            <a:pPr marL="457200" lvl="0" indent="-342900" algn="l" rtl="0">
               <a:lnSpc>
                 <a:spcPct val="110000"/>
               </a:lnSpc>
@@ -13049,9 +13568,10 @@
               <a:spcAft>
                 <a:spcPts val="0"/>
               </a:spcAft>
-              <a:buNone/>
+              <a:buSzPts val="1800"/>
+              <a:buChar char="●"/>
             </a:pPr>
-            <a:endParaRPr sz="1800"/>
+            <a:endParaRPr sz="2000" dirty="0"/>
           </a:p>
           <a:p>
             <a:pPr marL="457200" lvl="0" indent="-342900" algn="l" rtl="0">
@@ -13068,10 +13588,10 @@
               <a:buChar char="●"/>
             </a:pPr>
             <a:r>
-              <a:rPr lang="en-US" sz="1800"/>
-              <a:t>Used FMS for secure file handling, ensuring safe upload/download of the file during the complete process execution.</a:t>
+              <a:rPr lang="en-US" sz="2000" dirty="0"/>
+              <a:t>Provided user-friendly UI in the active workspace for users to execute Bulk Vendor Data Import utility.  </a:t>
             </a:r>
-            <a:endParaRPr sz="1800"/>
+            <a:endParaRPr sz="2000" dirty="0"/>
           </a:p>
           <a:p>
             <a:pPr marL="457200" lvl="0" indent="0" algn="l" rtl="0">
@@ -13086,42 +13606,7 @@
               </a:spcAft>
               <a:buNone/>
             </a:pPr>
-            <a:endParaRPr sz="1800"/>
-          </a:p>
-          <a:p>
-            <a:pPr marL="457200" lvl="0" indent="-342900" algn="l" rtl="0">
-              <a:lnSpc>
-                <a:spcPct val="110000"/>
-              </a:lnSpc>
-              <a:spcBef>
-                <a:spcPts val="0"/>
-              </a:spcBef>
-              <a:spcAft>
-                <a:spcPts val="0"/>
-              </a:spcAft>
-              <a:buSzPts val="1800"/>
-              <a:buChar char="●"/>
-            </a:pPr>
-            <a:r>
-              <a:rPr lang="en-US" sz="1800"/>
-              <a:t>Provided user-friendly UI in the active workspace for users to execute Bulk Vendor Data Import utility.  </a:t>
-            </a:r>
-            <a:endParaRPr sz="1800"/>
-          </a:p>
-          <a:p>
-            <a:pPr marL="457200" lvl="0" indent="0" algn="l" rtl="0">
-              <a:lnSpc>
-                <a:spcPct val="110000"/>
-              </a:lnSpc>
-              <a:spcBef>
-                <a:spcPts val="0"/>
-              </a:spcBef>
-              <a:spcAft>
-                <a:spcPts val="0"/>
-              </a:spcAft>
-              <a:buNone/>
-            </a:pPr>
-            <a:endParaRPr sz="1800"/>
+            <a:endParaRPr sz="2000" dirty="0"/>
           </a:p>
           <a:p>
             <a:pPr marL="0" lvl="0" indent="0" algn="l" rtl="0">
@@ -13140,7 +13625,7 @@
               <a:buSzPts val="1400"/>
               <a:buNone/>
             </a:pPr>
-            <a:endParaRPr/>
+            <a:endParaRPr dirty="0"/>
           </a:p>
         </p:txBody>
       </p:sp>
@@ -13193,6 +13678,36 @@
           </a:p>
         </p:txBody>
       </p:sp>
+      <p:pic>
+        <p:nvPicPr>
+          <p:cNvPr id="5" name="Picture 4">
+            <a:extLst>
+              <a:ext uri="{FF2B5EF4-FFF2-40B4-BE49-F238E27FC236}">
+                <a16:creationId xmlns:a16="http://schemas.microsoft.com/office/drawing/2014/main" id="{D2133A85-E334-B33C-902C-7EEA5EDDF4B2}"/>
+              </a:ext>
+            </a:extLst>
+          </p:cNvPr>
+          <p:cNvPicPr>
+            <a:picLocks noChangeAspect="1"/>
+          </p:cNvPicPr>
+          <p:nvPr/>
+        </p:nvPicPr>
+        <p:blipFill>
+          <a:blip r:embed="rId3"/>
+          <a:stretch>
+            <a:fillRect/>
+          </a:stretch>
+        </p:blipFill>
+        <p:spPr>
+          <a:xfrm>
+            <a:off x="10103234" y="663634"/>
+            <a:ext cx="1093516" cy="1093516"/>
+          </a:xfrm>
+          <a:prstGeom prst="rect">
+            <a:avLst/>
+          </a:prstGeom>
+        </p:spPr>
+      </p:pic>
     </p:spTree>
   </p:cSld>
   <p:clrMapOvr>
@@ -13202,7 +13717,7 @@
 </file>
 
 <file path=ppt/slides/slide5.xml><?xml version="1.0" encoding="utf-8"?>
-<p:sld xmlns:a="http://schemas.openxmlformats.org/drawingml/2006/main" xmlns:r="http://schemas.openxmlformats.org/officeDocument/2006/relationships" xmlns:p="http://schemas.openxmlformats.org/presentationml/2006/main">
+<p:sld xmlns:a="http://schemas.openxmlformats.org/drawingml/2006/main" xmlns:r="http://schemas.openxmlformats.org/officeDocument/2006/relationships" xmlns:p="http://schemas.openxmlformats.org/presentationml/2006/main" show="0">
   <p:cSld>
     <p:spTree>
       <p:nvGrpSpPr>
@@ -13358,7 +13873,7 @@
 </file>
 
 <file path=ppt/slides/slide6.xml><?xml version="1.0" encoding="utf-8"?>
-<p:sld xmlns:a="http://schemas.openxmlformats.org/drawingml/2006/main" xmlns:r="http://schemas.openxmlformats.org/officeDocument/2006/relationships" xmlns:p="http://schemas.openxmlformats.org/presentationml/2006/main">
+<p:sld xmlns:a="http://schemas.openxmlformats.org/drawingml/2006/main" xmlns:r="http://schemas.openxmlformats.org/officeDocument/2006/relationships" xmlns:p="http://schemas.openxmlformats.org/presentationml/2006/main" show="0">
   <p:cSld>
     <p:spTree>
       <p:nvGrpSpPr>
@@ -13386,7 +13901,7 @@
         </p:nvSpPr>
         <p:spPr>
           <a:xfrm>
-            <a:off x="787500" y="479200"/>
+            <a:off x="787500" y="459322"/>
             <a:ext cx="9216000" cy="442500"/>
           </a:xfrm>
           <a:prstGeom prst="rect">
@@ -13421,10 +13936,10 @@
               <a:buNone/>
             </a:pPr>
             <a:r>
-              <a:rPr lang="en-US" sz="2800"/>
-              <a:t>Utilities Overview &amp; SOA Architecture  </a:t>
+              <a:rPr lang="en-US" sz="2800" dirty="0"/>
+              <a:t>Utilities Overview  </a:t>
             </a:r>
-            <a:endParaRPr sz="2800"/>
+            <a:endParaRPr sz="2800" dirty="0"/>
           </a:p>
         </p:txBody>
       </p:sp>
@@ -13477,33 +13992,6 @@
           </a:p>
         </p:txBody>
       </p:sp>
-      <p:pic>
-        <p:nvPicPr>
-          <p:cNvPr id="108" name="Google Shape;108;p14"/>
-          <p:cNvPicPr preferRelativeResize="0"/>
-          <p:nvPr/>
-        </p:nvPicPr>
-        <p:blipFill rotWithShape="1">
-          <a:blip r:embed="rId3">
-            <a:alphaModFix/>
-          </a:blip>
-          <a:srcRect t="18005" b="26693"/>
-          <a:stretch/>
-        </p:blipFill>
-        <p:spPr>
-          <a:xfrm>
-            <a:off x="436300" y="5031900"/>
-            <a:ext cx="11319400" cy="1283200"/>
-          </a:xfrm>
-          <a:prstGeom prst="rect">
-            <a:avLst/>
-          </a:prstGeom>
-          <a:noFill/>
-          <a:ln>
-            <a:noFill/>
-          </a:ln>
-        </p:spPr>
-      </p:pic>
       <p:sp>
         <p:nvSpPr>
           <p:cNvPr id="109" name="Google Shape;109;p14"/>
@@ -13512,7 +14000,7 @@
         </p:nvSpPr>
         <p:spPr>
           <a:xfrm>
-            <a:off x="787500" y="1235063"/>
+            <a:off x="787500" y="1624848"/>
             <a:ext cx="8212500" cy="461700"/>
           </a:xfrm>
           <a:prstGeom prst="rect">
@@ -13539,14 +14027,14 @@
               <a:buNone/>
             </a:pPr>
             <a:r>
-              <a:rPr lang="en-US" sz="1800">
+              <a:rPr lang="en-US" sz="1800" dirty="0">
                 <a:solidFill>
                   <a:schemeClr val="lt1"/>
                 </a:solidFill>
               </a:rPr>
               <a:t>CSV2TCXML</a:t>
             </a:r>
-            <a:endParaRPr sz="1800">
+            <a:endParaRPr sz="1800" dirty="0">
               <a:solidFill>
                 <a:schemeClr val="lt1"/>
               </a:solidFill>
@@ -13562,7 +14050,7 @@
         </p:nvSpPr>
         <p:spPr>
           <a:xfrm>
-            <a:off x="787500" y="2877000"/>
+            <a:off x="787500" y="3410385"/>
             <a:ext cx="8212500" cy="461700"/>
           </a:xfrm>
           <a:prstGeom prst="rect">
@@ -13612,7 +14100,7 @@
         </p:nvSpPr>
         <p:spPr>
           <a:xfrm>
-            <a:off x="915350" y="1611738"/>
+            <a:off x="915350" y="2099315"/>
             <a:ext cx="8212500" cy="1446900"/>
           </a:xfrm>
           <a:prstGeom prst="rect">
@@ -13643,14 +14131,30 @@
               <a:buChar char="●"/>
             </a:pPr>
             <a:r>
-              <a:rPr lang="en-US" sz="1600">
+              <a:rPr lang="en-US" sz="1600" dirty="0">
                 <a:solidFill>
                   <a:schemeClr val="lt1"/>
                 </a:solidFill>
               </a:rPr>
-              <a:t>The utility converts data provided in the csv into tcxml.</a:t>
+              <a:t>The utility converts data provided in the csv into </a:t>
             </a:r>
-            <a:endParaRPr sz="1600">
+            <a:r>
+              <a:rPr lang="en-US" sz="1600" dirty="0" err="1">
+                <a:solidFill>
+                  <a:schemeClr val="lt1"/>
+                </a:solidFill>
+              </a:rPr>
+              <a:t>tcxml</a:t>
+            </a:r>
+            <a:r>
+              <a:rPr lang="en-US" sz="1600" dirty="0">
+                <a:solidFill>
+                  <a:schemeClr val="lt1"/>
+                </a:solidFill>
+              </a:rPr>
+              <a:t>.</a:t>
+            </a:r>
+            <a:endParaRPr sz="1600" dirty="0">
               <a:solidFill>
                 <a:schemeClr val="lt1"/>
               </a:solidFill>
@@ -13671,14 +14175,14 @@
               <a:buChar char="●"/>
             </a:pPr>
             <a:r>
-              <a:rPr lang="en-US" sz="1600">
+              <a:rPr lang="en-US" sz="1600" dirty="0">
                 <a:solidFill>
                   <a:schemeClr val="lt1"/>
                 </a:solidFill>
               </a:rPr>
               <a:t>Relations between the objects needs to be defined in the header of the csv.</a:t>
             </a:r>
-            <a:endParaRPr sz="1600">
+            <a:endParaRPr sz="1600" dirty="0">
               <a:solidFill>
                 <a:schemeClr val="lt1"/>
               </a:solidFill>
@@ -13699,14 +14203,14 @@
               <a:buChar char="●"/>
             </a:pPr>
             <a:r>
-              <a:rPr lang="en-US" sz="1600">
+              <a:rPr lang="en-US" sz="1600" dirty="0">
                 <a:solidFill>
                   <a:schemeClr val="lt1"/>
                 </a:solidFill>
               </a:rPr>
               <a:t>Existing admin objects such as user can be referred using their candidate key.</a:t>
             </a:r>
-            <a:endParaRPr sz="1600">
+            <a:endParaRPr sz="1600" dirty="0">
               <a:solidFill>
                 <a:schemeClr val="lt1"/>
               </a:solidFill>
@@ -13727,14 +14231,14 @@
               <a:buChar char="●"/>
             </a:pPr>
             <a:r>
-              <a:rPr lang="en-US" sz="1600">
+              <a:rPr lang="en-US" sz="1600" dirty="0">
                 <a:solidFill>
                   <a:schemeClr val="lt1"/>
                 </a:solidFill>
               </a:rPr>
               <a:t>Must contain a primary object in csv in each row for islands to be created around it.</a:t>
             </a:r>
-            <a:endParaRPr sz="1600">
+            <a:endParaRPr sz="1600" dirty="0">
               <a:solidFill>
                 <a:schemeClr val="lt1"/>
               </a:solidFill>
@@ -13751,14 +14255,14 @@
               <a:buNone/>
             </a:pPr>
             <a:r>
-              <a:rPr lang="en-US" sz="1800">
+              <a:rPr lang="en-US" sz="1800" dirty="0">
                 <a:solidFill>
                   <a:schemeClr val="lt1"/>
                 </a:solidFill>
               </a:rPr>
               <a:t> </a:t>
             </a:r>
-            <a:endParaRPr sz="1800">
+            <a:endParaRPr sz="1800" dirty="0">
               <a:solidFill>
                 <a:schemeClr val="lt1"/>
               </a:solidFill>
@@ -13774,7 +14278,7 @@
         </p:nvSpPr>
         <p:spPr>
           <a:xfrm>
-            <a:off x="915350" y="3338700"/>
+            <a:off x="987310" y="3928888"/>
             <a:ext cx="9359700" cy="1693200"/>
           </a:xfrm>
           <a:prstGeom prst="rect">
@@ -13805,14 +14309,30 @@
               <a:buChar char="●"/>
             </a:pPr>
             <a:r>
-              <a:rPr lang="en-US" sz="1600">
+              <a:rPr lang="en-US" sz="1600" dirty="0">
                 <a:solidFill>
                   <a:schemeClr val="lt1"/>
                 </a:solidFill>
               </a:rPr>
-              <a:t>The utility creates the objects island by island present in the tcxml file.</a:t>
+              <a:t>The utility creates the objects island by island present in the </a:t>
             </a:r>
-            <a:endParaRPr sz="1600">
+            <a:r>
+              <a:rPr lang="en-US" sz="1600" dirty="0" err="1">
+                <a:solidFill>
+                  <a:schemeClr val="lt1"/>
+                </a:solidFill>
+              </a:rPr>
+              <a:t>tcxml</a:t>
+            </a:r>
+            <a:r>
+              <a:rPr lang="en-US" sz="1600" dirty="0">
+                <a:solidFill>
+                  <a:schemeClr val="lt1"/>
+                </a:solidFill>
+              </a:rPr>
+              <a:t> file.</a:t>
+            </a:r>
+            <a:endParaRPr sz="1600" dirty="0">
               <a:solidFill>
                 <a:schemeClr val="lt1"/>
               </a:solidFill>
@@ -13833,14 +14353,14 @@
               <a:buChar char="●"/>
             </a:pPr>
             <a:r>
-              <a:rPr lang="en-US" sz="1600">
+              <a:rPr lang="en-US" sz="1600" dirty="0">
                 <a:solidFill>
                   <a:schemeClr val="lt1"/>
                 </a:solidFill>
               </a:rPr>
               <a:t>Refers to stub objects at the instance of object creation if referenced object does not exist.</a:t>
             </a:r>
-            <a:endParaRPr sz="1600">
+            <a:endParaRPr sz="1600" dirty="0">
               <a:solidFill>
                 <a:schemeClr val="lt1"/>
               </a:solidFill>
@@ -13861,14 +14381,46 @@
               <a:buChar char="●"/>
             </a:pPr>
             <a:r>
-              <a:rPr lang="en-US" sz="1600">
+              <a:rPr lang="en-US" sz="1600" dirty="0">
                 <a:solidFill>
                   <a:schemeClr val="lt1"/>
                 </a:solidFill>
               </a:rPr>
-              <a:t>We use the utility in -bulk_import mode to use POM level api’s for fast import.</a:t>
+              <a:t>We use the utility in -</a:t>
             </a:r>
-            <a:endParaRPr sz="1600">
+            <a:r>
+              <a:rPr lang="en-US" sz="1600" dirty="0" err="1">
+                <a:solidFill>
+                  <a:schemeClr val="lt1"/>
+                </a:solidFill>
+              </a:rPr>
+              <a:t>bulk_import</a:t>
+            </a:r>
+            <a:r>
+              <a:rPr lang="en-US" sz="1600" dirty="0">
+                <a:solidFill>
+                  <a:schemeClr val="lt1"/>
+                </a:solidFill>
+              </a:rPr>
+              <a:t> mode to use POM level </a:t>
+            </a:r>
+            <a:r>
+              <a:rPr lang="en-US" sz="1600" dirty="0" err="1">
+                <a:solidFill>
+                  <a:schemeClr val="lt1"/>
+                </a:solidFill>
+              </a:rPr>
+              <a:t>api’s</a:t>
+            </a:r>
+            <a:r>
+              <a:rPr lang="en-US" sz="1600" dirty="0">
+                <a:solidFill>
+                  <a:schemeClr val="lt1"/>
+                </a:solidFill>
+              </a:rPr>
+              <a:t> for fast import.</a:t>
+            </a:r>
+            <a:endParaRPr sz="1600" dirty="0">
               <a:solidFill>
                 <a:schemeClr val="lt1"/>
               </a:solidFill>
@@ -13889,14 +14441,14 @@
               <a:buChar char="●"/>
             </a:pPr>
             <a:r>
-              <a:rPr lang="en-US" sz="1600">
+              <a:rPr lang="en-US" sz="1600" dirty="0">
                 <a:solidFill>
                   <a:schemeClr val="lt1"/>
                 </a:solidFill>
               </a:rPr>
               <a:t>In case of failure generates xml file with failed island data.</a:t>
             </a:r>
-            <a:endParaRPr sz="1600">
+            <a:endParaRPr sz="1600" dirty="0">
               <a:solidFill>
                 <a:schemeClr val="lt1"/>
               </a:solidFill>
@@ -13912,7 +14464,7 @@
               </a:spcAft>
               <a:buNone/>
             </a:pPr>
-            <a:endParaRPr sz="1600">
+            <a:endParaRPr sz="1600" dirty="0">
               <a:solidFill>
                 <a:schemeClr val="lt1"/>
               </a:solidFill>
@@ -13928,11 +14480,143 @@
               </a:spcAft>
               <a:buNone/>
             </a:pPr>
-            <a:endParaRPr sz="1800">
+            <a:endParaRPr sz="1800" dirty="0">
               <a:solidFill>
                 <a:schemeClr val="lt1"/>
               </a:solidFill>
             </a:endParaRPr>
+          </a:p>
+        </p:txBody>
+      </p:sp>
+    </p:spTree>
+  </p:cSld>
+  <p:clrMapOvr>
+    <a:masterClrMapping/>
+  </p:clrMapOvr>
+</p:sld>
+</file>
+
+<file path=ppt/slides/slide7.xml><?xml version="1.0" encoding="utf-8"?>
+<p:sld xmlns:a="http://schemas.openxmlformats.org/drawingml/2006/main" xmlns:r="http://schemas.openxmlformats.org/officeDocument/2006/relationships" xmlns:p="http://schemas.openxmlformats.org/presentationml/2006/main">
+  <p:cSld>
+    <p:spTree>
+      <p:nvGrpSpPr>
+        <p:cNvPr id="1" name="Shape 105"/>
+        <p:cNvGrpSpPr/>
+        <p:nvPr/>
+      </p:nvGrpSpPr>
+      <p:grpSpPr>
+        <a:xfrm>
+          <a:off x="0" y="0"/>
+          <a:ext cx="0" cy="0"/>
+          <a:chOff x="0" y="0"/>
+          <a:chExt cx="0" cy="0"/>
+        </a:xfrm>
+      </p:grpSpPr>
+      <p:sp>
+        <p:nvSpPr>
+          <p:cNvPr id="106" name="Google Shape;106;p14"/>
+          <p:cNvSpPr txBox="1">
+            <a:spLocks noGrp="1"/>
+          </p:cNvSpPr>
+          <p:nvPr>
+            <p:ph type="title"/>
+          </p:nvPr>
+        </p:nvSpPr>
+        <p:spPr>
+          <a:xfrm>
+            <a:off x="578777" y="693049"/>
+            <a:ext cx="9216000" cy="470026"/>
+          </a:xfrm>
+          <a:prstGeom prst="rect">
+            <a:avLst/>
+          </a:prstGeom>
+          <a:noFill/>
+          <a:ln>
+            <a:noFill/>
+          </a:ln>
+        </p:spPr>
+        <p:txBody>
+          <a:bodyPr spcFirstLastPara="1" wrap="square" lIns="0" tIns="54000" rIns="0" bIns="0" anchor="t" anchorCtr="0">
+            <a:spAutoFit/>
+          </a:bodyPr>
+          <a:lstStyle/>
+          <a:p>
+            <a:pPr marL="0" lvl="0" indent="0" algn="l" rtl="0">
+              <a:lnSpc>
+                <a:spcPct val="90000"/>
+              </a:lnSpc>
+              <a:spcBef>
+                <a:spcPts val="0"/>
+              </a:spcBef>
+              <a:spcAft>
+                <a:spcPts val="0"/>
+              </a:spcAft>
+              <a:buClr>
+                <a:schemeClr val="lt1"/>
+              </a:buClr>
+              <a:buSzPts val="8000"/>
+              <a:buFont typeface="Arial"/>
+              <a:buNone/>
+            </a:pPr>
+            <a:r>
+              <a:rPr lang="en-US" sz="3000" dirty="0"/>
+              <a:t>Process</a:t>
+            </a:r>
+            <a:r>
+              <a:rPr lang="en-US" sz="2800" dirty="0"/>
+              <a:t> Flow &amp; SOA Architecture  </a:t>
+            </a:r>
+            <a:endParaRPr sz="2800" dirty="0"/>
+          </a:p>
+        </p:txBody>
+      </p:sp>
+      <p:sp>
+        <p:nvSpPr>
+          <p:cNvPr id="107" name="Google Shape;107;p14"/>
+          <p:cNvSpPr txBox="1">
+            <a:spLocks noGrp="1"/>
+          </p:cNvSpPr>
+          <p:nvPr>
+            <p:ph type="ftr" idx="11"/>
+          </p:nvPr>
+        </p:nvSpPr>
+        <p:spPr>
+          <a:xfrm>
+            <a:off x="1059160" y="6340617"/>
+            <a:ext cx="9216000" cy="547200"/>
+          </a:xfrm>
+          <a:prstGeom prst="rect">
+            <a:avLst/>
+          </a:prstGeom>
+          <a:noFill/>
+          <a:ln>
+            <a:noFill/>
+          </a:ln>
+        </p:spPr>
+        <p:txBody>
+          <a:bodyPr spcFirstLastPara="1" wrap="square" lIns="0" tIns="0" rIns="0" bIns="61200" anchor="ctr" anchorCtr="0">
+            <a:noAutofit/>
+          </a:bodyPr>
+          <a:lstStyle/>
+          <a:p>
+            <a:pPr marL="0" lvl="0" indent="0" algn="l" rtl="0">
+              <a:lnSpc>
+                <a:spcPct val="100000"/>
+              </a:lnSpc>
+              <a:spcBef>
+                <a:spcPts val="0"/>
+              </a:spcBef>
+              <a:spcAft>
+                <a:spcPts val="0"/>
+              </a:spcAft>
+              <a:buNone/>
+            </a:pPr>
+            <a:r>
+              <a:rPr lang="en-US"/>
+              <a:t>Restricted | © Siemens 2025 | Siemens Digital Industries Software</a:t>
+            </a:r>
+            <a:endParaRPr/>
           </a:p>
         </p:txBody>
       </p:sp>
@@ -13944,8 +14628,8 @@
         </p:nvSpPr>
         <p:spPr>
           <a:xfrm>
-            <a:off x="787500" y="4593900"/>
-            <a:ext cx="2001600" cy="461700"/>
+            <a:off x="578777" y="3812586"/>
+            <a:ext cx="2568623" cy="461700"/>
           </a:xfrm>
           <a:prstGeom prst="rect">
             <a:avLst/>
@@ -13971,14 +14655,30 @@
               <a:buNone/>
             </a:pPr>
             <a:r>
-              <a:rPr lang="en-US" sz="1800">
+              <a:rPr lang="en-US" sz="2400" dirty="0">
                 <a:solidFill>
                   <a:schemeClr val="lt1"/>
                 </a:solidFill>
               </a:rPr>
-              <a:t>SOA Architecture</a:t>
+              <a:t>SOA</a:t>
             </a:r>
-            <a:endParaRPr sz="1800">
+            <a:r>
+              <a:rPr lang="en-US" sz="2000" dirty="0">
+                <a:solidFill>
+                  <a:schemeClr val="lt1"/>
+                </a:solidFill>
+              </a:rPr>
+              <a:t> </a:t>
+            </a:r>
+            <a:r>
+              <a:rPr lang="en-US" sz="2400" dirty="0">
+                <a:solidFill>
+                  <a:schemeClr val="lt1"/>
+                </a:solidFill>
+              </a:rPr>
+              <a:t>Architecture</a:t>
+            </a:r>
+            <a:endParaRPr sz="2400" dirty="0">
               <a:solidFill>
                 <a:schemeClr val="lt1"/>
               </a:solidFill>
@@ -13986,7 +14686,139 @@
           </a:p>
         </p:txBody>
       </p:sp>
+      <p:sp>
+        <p:nvSpPr>
+          <p:cNvPr id="4" name="TextBox 3">
+            <a:extLst>
+              <a:ext uri="{FF2B5EF4-FFF2-40B4-BE49-F238E27FC236}">
+                <a16:creationId xmlns:a16="http://schemas.microsoft.com/office/drawing/2014/main" id="{B67CAFBD-D283-C350-BFC4-DC2DABAD4B2B}"/>
+              </a:ext>
+            </a:extLst>
+          </p:cNvPr>
+          <p:cNvSpPr txBox="1"/>
+          <p:nvPr/>
+        </p:nvSpPr>
+        <p:spPr>
+          <a:xfrm>
+            <a:off x="578777" y="1452925"/>
+            <a:ext cx="2345635" cy="461665"/>
+          </a:xfrm>
+          <a:prstGeom prst="rect">
+            <a:avLst/>
+          </a:prstGeom>
+          <a:noFill/>
+        </p:spPr>
+        <p:txBody>
+          <a:bodyPr wrap="square" rtlCol="0">
+            <a:spAutoFit/>
+          </a:bodyPr>
+          <a:lstStyle/>
+          <a:p>
+            <a:r>
+              <a:rPr lang="en-US" sz="2400" dirty="0">
+                <a:solidFill>
+                  <a:schemeClr val="bg1"/>
+                </a:solidFill>
+              </a:rPr>
+              <a:t>Process Flow</a:t>
+            </a:r>
+          </a:p>
+        </p:txBody>
+      </p:sp>
+      <p:pic>
+        <p:nvPicPr>
+          <p:cNvPr id="6" name="Picture 5">
+            <a:extLst>
+              <a:ext uri="{FF2B5EF4-FFF2-40B4-BE49-F238E27FC236}">
+                <a16:creationId xmlns:a16="http://schemas.microsoft.com/office/drawing/2014/main" id="{D2F386D5-80BD-1729-93F0-11BC5C0DC878}"/>
+              </a:ext>
+            </a:extLst>
+          </p:cNvPr>
+          <p:cNvPicPr>
+            <a:picLocks noChangeAspect="1"/>
+          </p:cNvPicPr>
+          <p:nvPr/>
+        </p:nvPicPr>
+        <p:blipFill rotWithShape="1">
+          <a:blip r:embed="rId3"/>
+          <a:srcRect l="1875" r="1196" b="10062"/>
+          <a:stretch/>
+        </p:blipFill>
+        <p:spPr>
+          <a:xfrm>
+            <a:off x="718931" y="2102465"/>
+            <a:ext cx="10754137" cy="1522245"/>
+          </a:xfrm>
+          <a:prstGeom prst="rect">
+            <a:avLst/>
+          </a:prstGeom>
+        </p:spPr>
+      </p:pic>
+      <p:pic>
+        <p:nvPicPr>
+          <p:cNvPr id="8" name="Picture 7">
+            <a:extLst>
+              <a:ext uri="{FF2B5EF4-FFF2-40B4-BE49-F238E27FC236}">
+                <a16:creationId xmlns:a16="http://schemas.microsoft.com/office/drawing/2014/main" id="{F387165D-4118-6B09-7644-0CA49704DB21}"/>
+              </a:ext>
+            </a:extLst>
+          </p:cNvPr>
+          <p:cNvPicPr>
+            <a:picLocks noChangeAspect="1"/>
+          </p:cNvPicPr>
+          <p:nvPr/>
+        </p:nvPicPr>
+        <p:blipFill rotWithShape="1">
+          <a:blip r:embed="rId4"/>
+          <a:srcRect l="1875" t="8231" r="1196" b="5626"/>
+          <a:stretch/>
+        </p:blipFill>
+        <p:spPr>
+          <a:xfrm>
+            <a:off x="228599" y="4482733"/>
+            <a:ext cx="11817626" cy="1440989"/>
+          </a:xfrm>
+          <a:prstGeom prst="rect">
+            <a:avLst/>
+          </a:prstGeom>
+        </p:spPr>
+      </p:pic>
+      <p:pic>
+        <p:nvPicPr>
+          <p:cNvPr id="10" name="Picture 9">
+            <a:extLst>
+              <a:ext uri="{FF2B5EF4-FFF2-40B4-BE49-F238E27FC236}">
+                <a16:creationId xmlns:a16="http://schemas.microsoft.com/office/drawing/2014/main" id="{DEEF6EED-5DB0-7E00-99A4-94327E214A57}"/>
+              </a:ext>
+            </a:extLst>
+          </p:cNvPr>
+          <p:cNvPicPr>
+            <a:picLocks noChangeAspect="1"/>
+          </p:cNvPicPr>
+          <p:nvPr/>
+        </p:nvPicPr>
+        <p:blipFill>
+          <a:blip r:embed="rId5"/>
+          <a:stretch>
+            <a:fillRect/>
+          </a:stretch>
+        </p:blipFill>
+        <p:spPr>
+          <a:xfrm>
+            <a:off x="10058399" y="530412"/>
+            <a:ext cx="921027" cy="970722"/>
+          </a:xfrm>
+          <a:prstGeom prst="rect">
+            <a:avLst/>
+          </a:prstGeom>
+        </p:spPr>
+      </p:pic>
     </p:spTree>
+    <p:extLst>
+      <p:ext uri="{BB962C8B-B14F-4D97-AF65-F5344CB8AC3E}">
+        <p14:creationId xmlns:p14="http://schemas.microsoft.com/office/powerpoint/2010/main" val="2345704079"/>
+      </p:ext>
+    </p:extLst>
   </p:cSld>
   <p:clrMapOvr>
     <a:masterClrMapping/>
@@ -13994,7 +14826,7 @@
 </p:sld>
 </file>
 
-<file path=ppt/slides/slide7.xml><?xml version="1.0" encoding="utf-8"?>
+<file path=ppt/slides/slide8.xml><?xml version="1.0" encoding="utf-8"?>
 <p:sld xmlns:a="http://schemas.openxmlformats.org/drawingml/2006/main" xmlns:r="http://schemas.openxmlformats.org/officeDocument/2006/relationships" xmlns:p="http://schemas.openxmlformats.org/presentationml/2006/main">
   <p:cSld>
     <p:spTree>
@@ -14122,7 +14954,7 @@
 </p:sld>
 </file>
 
-<file path=ppt/slides/slide8.xml><?xml version="1.0" encoding="utf-8"?>
+<file path=ppt/slides/slide9.xml><?xml version="1.0" encoding="utf-8"?>
 <p:sld xmlns:a="http://schemas.openxmlformats.org/drawingml/2006/main" xmlns:r="http://schemas.openxmlformats.org/officeDocument/2006/relationships" xmlns:p="http://schemas.openxmlformats.org/presentationml/2006/main">
   <p:cSld>
     <p:spTree>
@@ -14151,7 +14983,7 @@
         </p:nvSpPr>
         <p:spPr>
           <a:xfrm>
-            <a:off x="687725" y="608150"/>
+            <a:off x="528410" y="767677"/>
             <a:ext cx="9216000" cy="470100"/>
           </a:xfrm>
           <a:prstGeom prst="rect">
@@ -14186,10 +15018,10 @@
               <a:buNone/>
             </a:pPr>
             <a:r>
-              <a:rPr lang="en-US" sz="3000"/>
-              <a:t>Learnings</a:t>
+              <a:rPr lang="en-US" sz="3000" dirty="0"/>
+              <a:t>Learnings &amp; Key Takeaways</a:t>
             </a:r>
-            <a:endParaRPr sz="3000"/>
+            <a:endParaRPr sz="3000" dirty="0"/>
           </a:p>
         </p:txBody>
       </p:sp>
@@ -14235,10 +15067,10 @@
               <a:buNone/>
             </a:pPr>
             <a:r>
-              <a:rPr lang="en-US"/>
+              <a:rPr lang="en-US" dirty="0"/>
               <a:t>Restricted | © Siemens 2025 | Siemens Digital Industries Software</a:t>
             </a:r>
-            <a:endParaRPr/>
+            <a:endParaRPr dirty="0"/>
           </a:p>
         </p:txBody>
       </p:sp>
@@ -14250,8 +15082,8 @@
         </p:nvSpPr>
         <p:spPr>
           <a:xfrm>
-            <a:off x="602175" y="1399400"/>
-            <a:ext cx="8212500" cy="461700"/>
+            <a:off x="492980" y="1437221"/>
+            <a:ext cx="8212500" cy="553968"/>
           </a:xfrm>
           <a:prstGeom prst="rect">
             <a:avLst/>
@@ -14277,64 +15109,30 @@
               <a:buNone/>
             </a:pPr>
             <a:r>
-              <a:rPr lang="en-US" sz="1800" dirty="0">
+              <a:rPr lang="en-US" sz="2400" dirty="0">
                 <a:solidFill>
                   <a:schemeClr val="lt1"/>
                 </a:solidFill>
               </a:rPr>
-              <a:t>Client Side Development</a:t>
+              <a:t>Development</a:t>
             </a:r>
-            <a:endParaRPr sz="1800" dirty="0">
-              <a:solidFill>
-                <a:schemeClr val="lt1"/>
-              </a:solidFill>
-            </a:endParaRPr>
-          </a:p>
-        </p:txBody>
-      </p:sp>
-      <p:sp>
-        <p:nvSpPr>
-          <p:cNvPr id="127" name="Google Shape;127;p16"/>
-          <p:cNvSpPr txBox="1"/>
-          <p:nvPr/>
-        </p:nvSpPr>
-        <p:spPr>
-          <a:xfrm>
-            <a:off x="687725" y="3650250"/>
-            <a:ext cx="8212500" cy="461700"/>
-          </a:xfrm>
-          <a:prstGeom prst="rect">
-            <a:avLst/>
-          </a:prstGeom>
-          <a:noFill/>
-          <a:ln>
-            <a:noFill/>
-          </a:ln>
-        </p:spPr>
-        <p:txBody>
-          <a:bodyPr spcFirstLastPara="1" wrap="square" lIns="91425" tIns="91425" rIns="91425" bIns="91425" anchor="t" anchorCtr="0">
-            <a:spAutoFit/>
-          </a:bodyPr>
-          <a:lstStyle/>
-          <a:p>
-            <a:pPr marL="0" lvl="0" indent="0" algn="l" rtl="0">
-              <a:spcBef>
-                <a:spcPts val="0"/>
-              </a:spcBef>
-              <a:spcAft>
-                <a:spcPts val="0"/>
-              </a:spcAft>
-              <a:buNone/>
-            </a:pPr>
             <a:r>
               <a:rPr lang="en-US" sz="1800" dirty="0">
                 <a:solidFill>
                   <a:schemeClr val="lt1"/>
                 </a:solidFill>
               </a:rPr>
-              <a:t>Server Side Development</a:t>
+              <a:t> </a:t>
             </a:r>
-            <a:endParaRPr sz="1800" dirty="0">
+            <a:r>
+              <a:rPr lang="en-US" sz="2400" dirty="0">
+                <a:solidFill>
+                  <a:schemeClr val="lt1"/>
+                </a:solidFill>
+              </a:rPr>
+              <a:t>Learnings</a:t>
+            </a:r>
+            <a:endParaRPr sz="2400" dirty="0">
               <a:solidFill>
                 <a:schemeClr val="lt1"/>
               </a:solidFill>
@@ -14350,8 +15148,8 @@
         </p:nvSpPr>
         <p:spPr>
           <a:xfrm>
-            <a:off x="787000" y="1967200"/>
-            <a:ext cx="11391900" cy="1563900"/>
+            <a:off x="539985" y="1866410"/>
+            <a:ext cx="12036287" cy="2224168"/>
           </a:xfrm>
           <a:prstGeom prst="rect">
             <a:avLst/>
@@ -14384,14 +15182,14 @@
               <a:buChar char="●"/>
             </a:pPr>
             <a:r>
-              <a:rPr lang="en-US" sz="1600">
+              <a:rPr lang="en-US" sz="1800" dirty="0">
                 <a:solidFill>
                   <a:schemeClr val="lt1"/>
                 </a:solidFill>
               </a:rPr>
-              <a:t>Gained practical experience with Active Workspace’s ViewModel-driven UI architecture and event-driven workflows.</a:t>
+              <a:t>Gained practical experience with AW’s MVVM-driven UI architecture and event-driven workflows.</a:t>
             </a:r>
-            <a:endParaRPr sz="1600">
+            <a:endParaRPr sz="1800" dirty="0">
               <a:solidFill>
                 <a:schemeClr val="lt1"/>
               </a:solidFill>
@@ -14415,107 +15213,111 @@
               <a:buChar char="●"/>
             </a:pPr>
             <a:r>
-              <a:rPr lang="en-US" sz="1600">
+              <a:rPr lang="en-US" sz="1800" dirty="0">
                 <a:solidFill>
                   <a:schemeClr val="lt1"/>
                 </a:solidFill>
               </a:rPr>
-              <a:t>Developed and integrated custom UI panels and actions using JSON ViewModels and JavaScript services.</a:t>
+              <a:t>Learned to interact with Teamcenter SOA/REST APIs for executing business logic.</a:t>
             </a:r>
-            <a:endParaRPr sz="1600">
+            <a:endParaRPr sz="1800" dirty="0">
               <a:solidFill>
                 <a:schemeClr val="lt1"/>
               </a:solidFill>
             </a:endParaRPr>
           </a:p>
           <a:p>
-            <a:pPr marL="457200" lvl="0" indent="-330200" algn="l" rtl="0">
+            <a:pPr marL="457200" indent="-330200">
               <a:lnSpc>
                 <a:spcPct val="115000"/>
               </a:lnSpc>
-              <a:spcBef>
-                <a:spcPts val="0"/>
-              </a:spcBef>
-              <a:spcAft>
-                <a:spcPts val="0"/>
-              </a:spcAft>
               <a:buClr>
                 <a:schemeClr val="lt1"/>
               </a:buClr>
               <a:buSzPts val="1600"/>
+              <a:buFont typeface="Arial"/>
               <a:buChar char="●"/>
             </a:pPr>
             <a:r>
-              <a:rPr lang="en-US" sz="1600">
+              <a:rPr lang="en-US" sz="1800" dirty="0">
                 <a:solidFill>
                   <a:schemeClr val="lt1"/>
                 </a:solidFill>
               </a:rPr>
-              <a:t>Learned to interact with Teamcenter SOA/REST APIs for dynamic data handling and file operations.</a:t>
+              <a:t>Learned creating SOA using BMIDE to handle business logic.</a:t>
             </a:r>
-            <a:endParaRPr sz="1600">
-              <a:solidFill>
-                <a:schemeClr val="lt1"/>
-              </a:solidFill>
-            </a:endParaRPr>
           </a:p>
           <a:p>
-            <a:pPr marL="457200" lvl="0" indent="-330200" algn="l" rtl="0">
+            <a:pPr marL="457200" indent="-330200">
               <a:lnSpc>
                 <a:spcPct val="115000"/>
               </a:lnSpc>
-              <a:spcBef>
-                <a:spcPts val="0"/>
-              </a:spcBef>
-              <a:spcAft>
-                <a:spcPts val="0"/>
-              </a:spcAft>
               <a:buClr>
                 <a:schemeClr val="lt1"/>
               </a:buClr>
               <a:buSzPts val="1600"/>
+              <a:buFont typeface="Arial"/>
               <a:buChar char="●"/>
             </a:pPr>
             <a:r>
-              <a:rPr lang="en-US" sz="1600">
+              <a:rPr lang="en-US" sz="1800" dirty="0">
                 <a:solidFill>
                   <a:schemeClr val="lt1"/>
                 </a:solidFill>
               </a:rPr>
-              <a:t>Gained basic knowledge of FMS for secure file handling and used related services while development.</a:t>
+              <a:t>Gained knowledge about build structure &amp; how to resolve build errors.</a:t>
             </a:r>
-            <a:endParaRPr sz="1600">
-              <a:solidFill>
-                <a:schemeClr val="lt1"/>
-              </a:solidFill>
-            </a:endParaRPr>
           </a:p>
           <a:p>
-            <a:pPr marL="457200" lvl="0" indent="-330200" algn="l" rtl="0">
+            <a:pPr marL="457200" indent="-330200">
               <a:lnSpc>
                 <a:spcPct val="115000"/>
               </a:lnSpc>
-              <a:spcBef>
-                <a:spcPts val="0"/>
-              </a:spcBef>
-              <a:spcAft>
-                <a:spcPts val="0"/>
-              </a:spcAft>
               <a:buClr>
                 <a:schemeClr val="lt1"/>
               </a:buClr>
               <a:buSzPts val="1600"/>
+              <a:buFont typeface="Arial"/>
               <a:buChar char="●"/>
             </a:pPr>
             <a:r>
-              <a:rPr lang="en-US" sz="1600">
+              <a:rPr lang="en-US" sz="1800" dirty="0">
                 <a:solidFill>
                   <a:schemeClr val="lt1"/>
                 </a:solidFill>
               </a:rPr>
-              <a:t>Learned best practices for modular, maintainable, and scalable client-side code in enterprise applications.</a:t>
+              <a:t>Figured out working and usage of csv2tcxml &amp; </a:t>
             </a:r>
-            <a:endParaRPr sz="1800">
+            <a:r>
+              <a:rPr lang="en-US" sz="1800" dirty="0" err="1">
+                <a:solidFill>
+                  <a:schemeClr val="lt1"/>
+                </a:solidFill>
+              </a:rPr>
+              <a:t>tcxml_import</a:t>
+            </a:r>
+            <a:r>
+              <a:rPr lang="en-US" sz="1800" dirty="0">
+                <a:solidFill>
+                  <a:schemeClr val="lt1"/>
+                </a:solidFill>
+              </a:rPr>
+              <a:t> utilities.</a:t>
+            </a:r>
+          </a:p>
+          <a:p>
+            <a:pPr marL="457200" indent="-330200">
+              <a:lnSpc>
+                <a:spcPct val="115000"/>
+              </a:lnSpc>
+              <a:buClr>
+                <a:schemeClr val="lt1"/>
+              </a:buClr>
+              <a:buSzPts val="1600"/>
+              <a:buFont typeface="Arial"/>
+              <a:buChar char="●"/>
+            </a:pPr>
+            <a:endParaRPr lang="en-US" sz="1800" dirty="0">
               <a:solidFill>
                 <a:schemeClr val="lt1"/>
               </a:solidFill>
@@ -14525,500 +15327,157 @@
       </p:sp>
       <p:sp>
         <p:nvSpPr>
-          <p:cNvPr id="129" name="Google Shape;129;p16"/>
+          <p:cNvPr id="2" name="TextBox 1">
+            <a:extLst>
+              <a:ext uri="{FF2B5EF4-FFF2-40B4-BE49-F238E27FC236}">
+                <a16:creationId xmlns:a16="http://schemas.microsoft.com/office/drawing/2014/main" id="{31E056A8-D5A9-BBE0-3127-71922EDED450}"/>
+              </a:ext>
+            </a:extLst>
+          </p:cNvPr>
+          <p:cNvSpPr txBox="1"/>
+          <p:nvPr/>
+        </p:nvSpPr>
+        <p:spPr>
+          <a:xfrm flipH="1">
+            <a:off x="492980" y="3968627"/>
+            <a:ext cx="4387133" cy="461665"/>
+          </a:xfrm>
+          <a:prstGeom prst="rect">
+            <a:avLst/>
+          </a:prstGeom>
+          <a:noFill/>
+        </p:spPr>
+        <p:txBody>
+          <a:bodyPr wrap="square" rtlCol="0">
+            <a:spAutoFit/>
+          </a:bodyPr>
+          <a:lstStyle/>
+          <a:p>
+            <a:r>
+              <a:rPr lang="en-US" sz="2400" dirty="0">
+                <a:solidFill>
+                  <a:schemeClr val="bg1"/>
+                </a:solidFill>
+              </a:rPr>
+              <a:t>Takeaways</a:t>
+            </a:r>
+          </a:p>
+        </p:txBody>
+      </p:sp>
+      <p:sp>
+        <p:nvSpPr>
+          <p:cNvPr id="5" name="TextBox 4">
+            <a:extLst>
+              <a:ext uri="{FF2B5EF4-FFF2-40B4-BE49-F238E27FC236}">
+                <a16:creationId xmlns:a16="http://schemas.microsoft.com/office/drawing/2014/main" id="{2D1EB5C5-B479-FEE2-67B8-7CC0BCDFAAC9}"/>
+              </a:ext>
+            </a:extLst>
+          </p:cNvPr>
           <p:cNvSpPr txBox="1"/>
           <p:nvPr/>
         </p:nvSpPr>
         <p:spPr>
           <a:xfrm>
-            <a:off x="787000" y="4111950"/>
-            <a:ext cx="10807500" cy="2185800"/>
+            <a:off x="697376" y="4519767"/>
+            <a:ext cx="10396331" cy="1415772"/>
           </a:xfrm>
           <a:prstGeom prst="rect">
             <a:avLst/>
           </a:prstGeom>
           <a:noFill/>
-          <a:ln>
-            <a:noFill/>
-          </a:ln>
         </p:spPr>
         <p:txBody>
-          <a:bodyPr spcFirstLastPara="1" wrap="square" lIns="91425" tIns="91425" rIns="91425" bIns="91425" anchor="t" anchorCtr="0">
+          <a:bodyPr wrap="square" rtlCol="0">
             <a:spAutoFit/>
           </a:bodyPr>
           <a:lstStyle/>
           <a:p>
-            <a:pPr marL="457200" lvl="0" indent="-330200" algn="l" rtl="0">
-              <a:spcBef>
-                <a:spcPts val="0"/>
-              </a:spcBef>
-              <a:spcAft>
-                <a:spcPts val="0"/>
-              </a:spcAft>
+            <a:pPr marL="285750" indent="-285750">
               <a:buClr>
-                <a:schemeClr val="lt1"/>
+                <a:schemeClr val="bg1"/>
               </a:buClr>
-              <a:buSzPts val="1600"/>
-              <a:buChar char="●"/>
+              <a:buFont typeface="Wingdings" panose="05000000000000000000" pitchFamily="2" charset="2"/>
+              <a:buChar char="Ø"/>
             </a:pPr>
             <a:r>
-              <a:rPr lang="en-US" sz="1600">
-                <a:solidFill>
-                  <a:schemeClr val="lt1"/>
+              <a:rPr lang="en-US" sz="1800" dirty="0">
+                <a:solidFill>
+                  <a:schemeClr val="bg1"/>
                 </a:solidFill>
               </a:rPr>
-              <a:t>Learned creating SOA to handle business logic as in the case of creating objects related to vendor.</a:t>
+              <a:t>Gained valuable insights into enterprise PLM systems &amp; their customization.</a:t>
             </a:r>
-            <a:endParaRPr sz="1600">
+          </a:p>
+          <a:p>
+            <a:pPr marL="285750" indent="-285750">
+              <a:buClr>
+                <a:schemeClr val="bg1"/>
+              </a:buClr>
+              <a:buFont typeface="Wingdings" panose="05000000000000000000" pitchFamily="2" charset="2"/>
+              <a:buChar char="Ø"/>
+            </a:pPr>
+            <a:endParaRPr lang="en-US" sz="1800" dirty="0">
               <a:solidFill>
-                <a:schemeClr val="lt1"/>
+                <a:schemeClr val="bg1"/>
               </a:solidFill>
             </a:endParaRPr>
           </a:p>
           <a:p>
-            <a:pPr marL="457200" lvl="0" indent="-330200" algn="l" rtl="0">
-              <a:spcBef>
-                <a:spcPts val="0"/>
-              </a:spcBef>
-              <a:spcAft>
-                <a:spcPts val="0"/>
-              </a:spcAft>
+            <a:pPr marL="285750" indent="-285750">
               <a:buClr>
-                <a:schemeClr val="lt1"/>
+                <a:schemeClr val="bg1"/>
               </a:buClr>
-              <a:buSzPts val="1600"/>
-              <a:buChar char="●"/>
+              <a:buFont typeface="Wingdings" panose="05000000000000000000" pitchFamily="2" charset="2"/>
+              <a:buChar char="Ø"/>
             </a:pPr>
             <a:r>
-              <a:rPr lang="en-US" sz="1600">
-                <a:solidFill>
-                  <a:schemeClr val="lt1"/>
+              <a:rPr lang="en-US" sz="1800" dirty="0">
+                <a:solidFill>
+                  <a:schemeClr val="bg1"/>
                 </a:solidFill>
               </a:rPr>
-              <a:t>Gained basic knowledge about antification and antbuild for building the code. Learned how to debug build errors regarding dependencies, syntax, etc.</a:t>
+              <a:t>Enhanced my skills in understanding code, visualizing process flows &amp; debugging. And overall build confidence to contribute &amp; to be productive in professional environment. </a:t>
             </a:r>
-            <a:endParaRPr sz="1600">
-              <a:solidFill>
-                <a:schemeClr val="lt1"/>
-              </a:solidFill>
-            </a:endParaRPr>
           </a:p>
           <a:p>
-            <a:pPr marL="457200" lvl="0" indent="-330200" algn="l" rtl="0">
-              <a:spcBef>
-                <a:spcPts val="0"/>
-              </a:spcBef>
-              <a:spcAft>
-                <a:spcPts val="0"/>
-              </a:spcAft>
-              <a:buClr>
-                <a:schemeClr val="lt1"/>
-              </a:buClr>
-              <a:buSzPts val="1600"/>
-              <a:buChar char="●"/>
-            </a:pPr>
-            <a:r>
-              <a:rPr lang="en-US" sz="1600">
-                <a:solidFill>
-                  <a:schemeClr val="lt1"/>
-                </a:solidFill>
-              </a:rPr>
-              <a:t>Learned integrating SOA in server environment to interact with client side.</a:t>
-            </a:r>
-            <a:endParaRPr sz="1600">
+            <a:endParaRPr lang="en-US" dirty="0">
               <a:solidFill>
-                <a:schemeClr val="lt1"/>
-              </a:solidFill>
-            </a:endParaRPr>
-          </a:p>
-          <a:p>
-            <a:pPr marL="457200" lvl="0" indent="-330200" algn="l" rtl="0">
-              <a:spcBef>
-                <a:spcPts val="0"/>
-              </a:spcBef>
-              <a:spcAft>
-                <a:spcPts val="0"/>
-              </a:spcAft>
-              <a:buClr>
-                <a:schemeClr val="lt1"/>
-              </a:buClr>
-              <a:buSzPts val="1600"/>
-              <a:buChar char="●"/>
-            </a:pPr>
-            <a:r>
-              <a:rPr lang="en-US" sz="1600">
-                <a:solidFill>
-                  <a:schemeClr val="lt1"/>
-                </a:solidFill>
-              </a:rPr>
-              <a:t>Gained knowledge of utilities like csv2tcxml &amp; bulk_import. Figured out their working and scope. </a:t>
-            </a:r>
-            <a:endParaRPr sz="1600">
-              <a:solidFill>
-                <a:schemeClr val="lt1"/>
-              </a:solidFill>
-            </a:endParaRPr>
-          </a:p>
-          <a:p>
-            <a:pPr marL="457200" lvl="0" indent="-330200" algn="l" rtl="0">
-              <a:spcBef>
-                <a:spcPts val="0"/>
-              </a:spcBef>
-              <a:spcAft>
-                <a:spcPts val="0"/>
-              </a:spcAft>
-              <a:buClr>
-                <a:schemeClr val="lt1"/>
-              </a:buClr>
-              <a:buSzPts val="1600"/>
-              <a:buChar char="●"/>
-            </a:pPr>
-            <a:r>
-              <a:rPr lang="en-US" sz="1600">
-                <a:solidFill>
-                  <a:schemeClr val="lt1"/>
-                </a:solidFill>
-              </a:rPr>
-              <a:t>Gained hands on experience in using opengork, teamcenter developer guide to learn from codebase and documentation.</a:t>
-            </a:r>
-            <a:endParaRPr sz="1600">
-              <a:solidFill>
-                <a:schemeClr val="lt1"/>
-              </a:solidFill>
-            </a:endParaRPr>
-          </a:p>
-          <a:p>
-            <a:pPr marL="0" lvl="0" indent="0" algn="l" rtl="0">
-              <a:spcBef>
-                <a:spcPts val="0"/>
-              </a:spcBef>
-              <a:spcAft>
-                <a:spcPts val="0"/>
-              </a:spcAft>
-              <a:buNone/>
-            </a:pPr>
-            <a:endParaRPr sz="1800">
-              <a:solidFill>
-                <a:schemeClr val="lt1"/>
+                <a:schemeClr val="bg1"/>
               </a:solidFill>
             </a:endParaRPr>
           </a:p>
         </p:txBody>
       </p:sp>
-    </p:spTree>
-  </p:cSld>
-  <p:clrMapOvr>
-    <a:masterClrMapping/>
-  </p:clrMapOvr>
-</p:sld>
-</file>
-
-<file path=ppt/slides/slide9.xml><?xml version="1.0" encoding="utf-8"?>
-<p:sld xmlns:a="http://schemas.openxmlformats.org/drawingml/2006/main" xmlns:r="http://schemas.openxmlformats.org/officeDocument/2006/relationships" xmlns:p="http://schemas.openxmlformats.org/presentationml/2006/main">
-  <p:cSld>
-    <p:spTree>
-      <p:nvGrpSpPr>
-        <p:cNvPr id="1" name="Shape 133"/>
-        <p:cNvGrpSpPr/>
-        <p:nvPr/>
-      </p:nvGrpSpPr>
-      <p:grpSpPr>
-        <a:xfrm>
-          <a:off x="0" y="0"/>
-          <a:ext cx="0" cy="0"/>
-          <a:chOff x="0" y="0"/>
-          <a:chExt cx="0" cy="0"/>
-        </a:xfrm>
-      </p:grpSpPr>
-      <p:sp>
-        <p:nvSpPr>
-          <p:cNvPr id="134" name="Google Shape;134;p17"/>
-          <p:cNvSpPr txBox="1">
-            <a:spLocks noGrp="1"/>
-          </p:cNvSpPr>
-          <p:nvPr>
-            <p:ph type="title"/>
-          </p:nvPr>
-        </p:nvSpPr>
+      <p:pic>
+        <p:nvPicPr>
+          <p:cNvPr id="7" name="Picture 6">
+            <a:extLst>
+              <a:ext uri="{FF2B5EF4-FFF2-40B4-BE49-F238E27FC236}">
+                <a16:creationId xmlns:a16="http://schemas.microsoft.com/office/drawing/2014/main" id="{540C9EC1-93F0-E7C9-988C-042A5CD11FB3}"/>
+              </a:ext>
+            </a:extLst>
+          </p:cNvPr>
+          <p:cNvPicPr>
+            <a:picLocks noChangeAspect="1"/>
+          </p:cNvPicPr>
+          <p:nvPr/>
+        </p:nvPicPr>
+        <p:blipFill>
+          <a:blip r:embed="rId3"/>
+          <a:stretch>
+            <a:fillRect/>
+          </a:stretch>
+        </p:blipFill>
         <p:spPr>
           <a:xfrm>
-            <a:off x="730475" y="764975"/>
-            <a:ext cx="9216000" cy="470100"/>
+            <a:off x="9779860" y="536096"/>
+            <a:ext cx="990600" cy="990600"/>
           </a:xfrm>
           <a:prstGeom prst="rect">
             <a:avLst/>
           </a:prstGeom>
-          <a:noFill/>
-          <a:ln>
-            <a:noFill/>
-          </a:ln>
         </p:spPr>
-        <p:txBody>
-          <a:bodyPr spcFirstLastPara="1" wrap="square" lIns="0" tIns="54000" rIns="0" bIns="0" anchor="t" anchorCtr="0">
-            <a:spAutoFit/>
-          </a:bodyPr>
-          <a:lstStyle/>
-          <a:p>
-            <a:pPr marL="0" lvl="0" indent="0" algn="l" rtl="0">
-              <a:lnSpc>
-                <a:spcPct val="90000"/>
-              </a:lnSpc>
-              <a:spcBef>
-                <a:spcPts val="0"/>
-              </a:spcBef>
-              <a:spcAft>
-                <a:spcPts val="0"/>
-              </a:spcAft>
-              <a:buClr>
-                <a:schemeClr val="lt1"/>
-              </a:buClr>
-              <a:buSzPts val="8000"/>
-              <a:buFont typeface="Arial"/>
-              <a:buNone/>
-            </a:pPr>
-            <a:r>
-              <a:rPr lang="en-US" sz="3000"/>
-              <a:t>Key Takeaways</a:t>
-            </a:r>
-            <a:endParaRPr sz="3000"/>
-          </a:p>
-        </p:txBody>
-      </p:sp>
-      <p:sp>
-        <p:nvSpPr>
-          <p:cNvPr id="135" name="Google Shape;135;p17"/>
-          <p:cNvSpPr txBox="1">
-            <a:spLocks noGrp="1"/>
-          </p:cNvSpPr>
-          <p:nvPr>
-            <p:ph type="ftr" idx="11"/>
-          </p:nvPr>
-        </p:nvSpPr>
-        <p:spPr>
-          <a:xfrm>
-            <a:off x="1059160" y="6310800"/>
-            <a:ext cx="9216000" cy="547200"/>
-          </a:xfrm>
-          <a:prstGeom prst="rect">
-            <a:avLst/>
-          </a:prstGeom>
-          <a:noFill/>
-          <a:ln>
-            <a:noFill/>
-          </a:ln>
-        </p:spPr>
-        <p:txBody>
-          <a:bodyPr spcFirstLastPara="1" wrap="square" lIns="0" tIns="0" rIns="0" bIns="61200" anchor="ctr" anchorCtr="0">
-            <a:noAutofit/>
-          </a:bodyPr>
-          <a:lstStyle/>
-          <a:p>
-            <a:pPr marL="0" lvl="0" indent="0" algn="l" rtl="0">
-              <a:lnSpc>
-                <a:spcPct val="100000"/>
-              </a:lnSpc>
-              <a:spcBef>
-                <a:spcPts val="0"/>
-              </a:spcBef>
-              <a:spcAft>
-                <a:spcPts val="0"/>
-              </a:spcAft>
-              <a:buNone/>
-            </a:pPr>
-            <a:r>
-              <a:rPr lang="en-US"/>
-              <a:t>Restricted | © Siemens 2025 | Siemens Digital Industries Software</a:t>
-            </a:r>
-            <a:endParaRPr/>
-          </a:p>
-        </p:txBody>
-      </p:sp>
-      <p:sp>
-        <p:nvSpPr>
-          <p:cNvPr id="136" name="Google Shape;136;p17"/>
-          <p:cNvSpPr txBox="1"/>
-          <p:nvPr/>
-        </p:nvSpPr>
-        <p:spPr>
-          <a:xfrm>
-            <a:off x="1059150" y="1973275"/>
-            <a:ext cx="9708300" cy="3786600"/>
-          </a:xfrm>
-          <a:prstGeom prst="rect">
-            <a:avLst/>
-          </a:prstGeom>
-          <a:noFill/>
-          <a:ln>
-            <a:noFill/>
-          </a:ln>
-        </p:spPr>
-        <p:txBody>
-          <a:bodyPr spcFirstLastPara="1" wrap="square" lIns="91425" tIns="91425" rIns="91425" bIns="91425" anchor="t" anchorCtr="0">
-            <a:spAutoFit/>
-          </a:bodyPr>
-          <a:lstStyle/>
-          <a:p>
-            <a:pPr marL="457200" lvl="0" indent="-342900" algn="l" rtl="0">
-              <a:spcBef>
-                <a:spcPts val="0"/>
-              </a:spcBef>
-              <a:spcAft>
-                <a:spcPts val="0"/>
-              </a:spcAft>
-              <a:buClr>
-                <a:schemeClr val="lt1"/>
-              </a:buClr>
-              <a:buSzPts val="1800"/>
-              <a:buChar char="●"/>
-            </a:pPr>
-            <a:r>
-              <a:rPr lang="en-US" sz="1800">
-                <a:solidFill>
-                  <a:schemeClr val="lt1"/>
-                </a:solidFill>
-              </a:rPr>
-              <a:t>Gained understanding of enterprise PLM systems &amp; developed initial insights into how customization of their data models, workflows, and integrations is done to fit different business needs.</a:t>
-            </a:r>
-            <a:endParaRPr sz="1800">
-              <a:solidFill>
-                <a:schemeClr val="lt1"/>
-              </a:solidFill>
-            </a:endParaRPr>
-          </a:p>
-          <a:p>
-            <a:pPr marL="457200" lvl="0" indent="0" algn="l" rtl="0">
-              <a:spcBef>
-                <a:spcPts val="0"/>
-              </a:spcBef>
-              <a:spcAft>
-                <a:spcPts val="0"/>
-              </a:spcAft>
-              <a:buNone/>
-            </a:pPr>
-            <a:endParaRPr sz="1800">
-              <a:solidFill>
-                <a:schemeClr val="lt1"/>
-              </a:solidFill>
-            </a:endParaRPr>
-          </a:p>
-          <a:p>
-            <a:pPr marL="457200" lvl="0" indent="-342900" algn="l" rtl="0">
-              <a:spcBef>
-                <a:spcPts val="0"/>
-              </a:spcBef>
-              <a:spcAft>
-                <a:spcPts val="0"/>
-              </a:spcAft>
-              <a:buClr>
-                <a:schemeClr val="lt1"/>
-              </a:buClr>
-              <a:buSzPts val="1800"/>
-              <a:buChar char="●"/>
-            </a:pPr>
-            <a:r>
-              <a:rPr lang="en-US" sz="1800">
-                <a:solidFill>
-                  <a:schemeClr val="lt1"/>
-                </a:solidFill>
-              </a:rPr>
-              <a:t>Gained valuable insights into managing and organizing a large-scale Teamcenter codebase, including the use of abstraction and modularity. Learned how these principles are applied to maintain clarity, flexibility, and long-term sustainability in enterprise PLM systems.</a:t>
-            </a:r>
-            <a:endParaRPr sz="1800">
-              <a:solidFill>
-                <a:schemeClr val="lt1"/>
-              </a:solidFill>
-            </a:endParaRPr>
-          </a:p>
-          <a:p>
-            <a:pPr marL="457200" lvl="0" indent="0" algn="l" rtl="0">
-              <a:spcBef>
-                <a:spcPts val="0"/>
-              </a:spcBef>
-              <a:spcAft>
-                <a:spcPts val="0"/>
-              </a:spcAft>
-              <a:buNone/>
-            </a:pPr>
-            <a:endParaRPr sz="1800">
-              <a:solidFill>
-                <a:schemeClr val="lt1"/>
-              </a:solidFill>
-            </a:endParaRPr>
-          </a:p>
-          <a:p>
-            <a:pPr marL="457200" lvl="0" indent="-342900" algn="l" rtl="0">
-              <a:spcBef>
-                <a:spcPts val="0"/>
-              </a:spcBef>
-              <a:spcAft>
-                <a:spcPts val="0"/>
-              </a:spcAft>
-              <a:buClr>
-                <a:schemeClr val="lt1"/>
-              </a:buClr>
-              <a:buSzPts val="1800"/>
-              <a:buChar char="●"/>
-            </a:pPr>
-            <a:r>
-              <a:rPr lang="en-US" sz="1800">
-                <a:solidFill>
-                  <a:schemeClr val="lt1"/>
-                </a:solidFill>
-              </a:rPr>
-              <a:t>Enhanced my skills in understanding code, visualizing process flows, debugging.</a:t>
-            </a:r>
-            <a:endParaRPr sz="1800">
-              <a:solidFill>
-                <a:schemeClr val="lt1"/>
-              </a:solidFill>
-            </a:endParaRPr>
-          </a:p>
-          <a:p>
-            <a:pPr marL="457200" lvl="0" indent="0" algn="l" rtl="0">
-              <a:spcBef>
-                <a:spcPts val="0"/>
-              </a:spcBef>
-              <a:spcAft>
-                <a:spcPts val="0"/>
-              </a:spcAft>
-              <a:buNone/>
-            </a:pPr>
-            <a:endParaRPr sz="1800">
-              <a:solidFill>
-                <a:schemeClr val="lt1"/>
-              </a:solidFill>
-            </a:endParaRPr>
-          </a:p>
-          <a:p>
-            <a:pPr marL="457200" lvl="0" indent="-342900" algn="l" rtl="0">
-              <a:spcBef>
-                <a:spcPts val="0"/>
-              </a:spcBef>
-              <a:spcAft>
-                <a:spcPts val="0"/>
-              </a:spcAft>
-              <a:buClr>
-                <a:schemeClr val="lt1"/>
-              </a:buClr>
-              <a:buSzPts val="1800"/>
-              <a:buChar char="●"/>
-            </a:pPr>
-            <a:r>
-              <a:rPr lang="en-US" sz="1800">
-                <a:solidFill>
-                  <a:schemeClr val="lt1"/>
-                </a:solidFill>
-              </a:rPr>
-              <a:t>Overall as a first experience in corporate shrugged my nervousness and built confidence in my ability to contribute and be productive in a professional environment.</a:t>
-            </a:r>
-            <a:endParaRPr sz="1800">
-              <a:solidFill>
-                <a:schemeClr val="lt1"/>
-              </a:solidFill>
-            </a:endParaRPr>
-          </a:p>
-        </p:txBody>
-      </p:sp>
+      </p:pic>
     </p:spTree>
   </p:cSld>
   <p:clrMapOvr>

--- a/LCS_FY25 Internship Demo.pptx
+++ b/LCS_FY25 Internship Demo.pptx
@@ -18,11 +18,11 @@
     <p:sldId id="261" r:id="rId9"/>
     <p:sldId id="268" r:id="rId10"/>
     <p:sldId id="262" r:id="rId11"/>
-    <p:sldId id="263" r:id="rId12"/>
-    <p:sldId id="264" r:id="rId13"/>
-    <p:sldId id="265" r:id="rId14"/>
+    <p:sldId id="265" r:id="rId12"/>
+    <p:sldId id="263" r:id="rId13"/>
+    <p:sldId id="264" r:id="rId14"/>
     <p:sldId id="266" r:id="rId15"/>
-    <p:sldId id="267" r:id="rId16"/>
+    <p:sldId id="269" r:id="rId16"/>
   </p:sldIdLst>
   <p:sldSz cx="12192000" cy="6858000"/>
   <p:notesSz cx="7102475" cy="10234613"/>
@@ -1625,7 +1625,7 @@
   <p:cSld>
     <p:spTree>
       <p:nvGrpSpPr>
-        <p:cNvPr id="1" name="Shape 130"/>
+        <p:cNvPr id="1" name="Shape 120"/>
         <p:cNvGrpSpPr/>
         <p:nvPr/>
       </p:nvGrpSpPr>
@@ -1639,7 +1639,7 @@
       </p:grpSpPr>
       <p:sp>
         <p:nvSpPr>
-          <p:cNvPr id="131" name="Google Shape;131;g36e7acd313d_0_23:notes"/>
+          <p:cNvPr id="121" name="Google Shape;121;g36e7acd313d_0_18:notes"/>
           <p:cNvSpPr txBox="1">
             <a:spLocks noGrp="1"/>
           </p:cNvSpPr>
@@ -1677,7 +1677,7 @@
       </p:sp>
       <p:sp>
         <p:nvSpPr>
-          <p:cNvPr id="132" name="Google Shape;132;g36e7acd313d_0_23:notes"/>
+          <p:cNvPr id="122" name="Google Shape;122;g36e7acd313d_0_18:notes"/>
           <p:cNvSpPr>
             <a:spLocks noGrp="1" noRot="1" noChangeAspect="1"/>
           </p:cNvSpPr>
@@ -1729,7 +1729,7 @@
   <p:cSld>
     <p:spTree>
       <p:nvGrpSpPr>
-        <p:cNvPr id="1" name="Shape 137"/>
+        <p:cNvPr id="1" name="Shape 130"/>
         <p:cNvGrpSpPr/>
         <p:nvPr/>
       </p:nvGrpSpPr>
@@ -1743,7 +1743,7 @@
       </p:grpSpPr>
       <p:sp>
         <p:nvSpPr>
-          <p:cNvPr id="138" name="Google Shape;138;g36e7acd313d_0_28:notes"/>
+          <p:cNvPr id="131" name="Google Shape;131;g36e7acd313d_0_23:notes"/>
           <p:cNvSpPr txBox="1">
             <a:spLocks noGrp="1"/>
           </p:cNvSpPr>
@@ -1781,7 +1781,7 @@
       </p:sp>
       <p:sp>
         <p:nvSpPr>
-          <p:cNvPr id="139" name="Google Shape;139;g36e7acd313d_0_28:notes"/>
+          <p:cNvPr id="132" name="Google Shape;132;g36e7acd313d_0_23:notes"/>
           <p:cNvSpPr>
             <a:spLocks noGrp="1" noRot="1" noChangeAspect="1"/>
           </p:cNvSpPr>
@@ -1937,7 +1937,7 @@
   <p:cSld>
     <p:spTree>
       <p:nvGrpSpPr>
-        <p:cNvPr id="1" name="Shape 152"/>
+        <p:cNvPr id="1" name="Shape 145"/>
         <p:cNvGrpSpPr/>
         <p:nvPr/>
       </p:nvGrpSpPr>
@@ -1951,7 +1951,7 @@
       </p:grpSpPr>
       <p:sp>
         <p:nvSpPr>
-          <p:cNvPr id="153" name="Google Shape;153;p10:notes"/>
+          <p:cNvPr id="146" name="Google Shape;146;g36e776ec5a1_0_14:notes"/>
           <p:cNvSpPr txBox="1">
             <a:spLocks noGrp="1"/>
           </p:cNvSpPr>
@@ -1962,7 +1962,7 @@
         <p:spPr>
           <a:xfrm>
             <a:off x="710248" y="4925407"/>
-            <a:ext cx="5681980" cy="4029879"/>
+            <a:ext cx="5682000" cy="4029900"/>
           </a:xfrm>
           <a:prstGeom prst="rect">
             <a:avLst/>
@@ -1989,7 +1989,7 @@
       </p:sp>
       <p:sp>
         <p:nvSpPr>
-          <p:cNvPr id="154" name="Google Shape;154;p10:notes"/>
+          <p:cNvPr id="147" name="Google Shape;147;g36e776ec5a1_0_14:notes"/>
           <p:cNvSpPr>
             <a:spLocks noGrp="1" noRot="1" noChangeAspect="1"/>
           </p:cNvSpPr>
@@ -2029,6 +2029,11 @@
         </p:spPr>
       </p:sp>
     </p:spTree>
+    <p:extLst>
+      <p:ext uri="{BB962C8B-B14F-4D97-AF65-F5344CB8AC3E}">
+        <p14:creationId xmlns:p14="http://schemas.microsoft.com/office/powerpoint/2010/main" val="1912572078"/>
+      </p:ext>
+    </p:extLst>
   </p:cSld>
   <p:clrMapOvr>
     <a:masterClrMapping/>
@@ -2733,7 +2738,7 @@
         <p:spPr>
           <a:xfrm>
             <a:off x="481013" y="1279525"/>
-            <a:ext cx="6140400" cy="3454500"/>
+            <a:ext cx="6140450" cy="3454400"/>
           </a:xfrm>
           <a:custGeom>
             <a:avLst/>
@@ -2774,7 +2779,7 @@
   <p:cSld>
     <p:spTree>
       <p:nvGrpSpPr>
-        <p:cNvPr id="1" name="Shape 120"/>
+        <p:cNvPr id="1" name="Shape 137"/>
         <p:cNvGrpSpPr/>
         <p:nvPr/>
       </p:nvGrpSpPr>
@@ -2788,7 +2793,7 @@
       </p:grpSpPr>
       <p:sp>
         <p:nvSpPr>
-          <p:cNvPr id="121" name="Google Shape;121;g36e7acd313d_0_18:notes"/>
+          <p:cNvPr id="138" name="Google Shape;138;g36e7acd313d_0_28:notes"/>
           <p:cNvSpPr txBox="1">
             <a:spLocks noGrp="1"/>
           </p:cNvSpPr>
@@ -2826,7 +2831,7 @@
       </p:sp>
       <p:sp>
         <p:nvSpPr>
-          <p:cNvPr id="122" name="Google Shape;122;g36e7acd313d_0_18:notes"/>
+          <p:cNvPr id="139" name="Google Shape;139;g36e7acd313d_0_28:notes"/>
           <p:cNvSpPr>
             <a:spLocks noGrp="1" noRot="1" noChangeAspect="1"/>
           </p:cNvSpPr>
@@ -11224,8 +11229,8 @@
         </p:nvSpPr>
         <p:spPr>
           <a:xfrm>
-            <a:off x="781125" y="2223098"/>
-            <a:ext cx="6123600" cy="1385400"/>
+            <a:off x="667050" y="2099419"/>
+            <a:ext cx="6123600" cy="1231106"/>
           </a:xfrm>
           <a:prstGeom prst="rect">
             <a:avLst/>
@@ -11241,10 +11246,7 @@
           </a:bodyPr>
           <a:lstStyle/>
           <a:p>
-            <a:pPr marL="0" lvl="0" indent="0" algn="l" rtl="0">
-              <a:lnSpc>
-                <a:spcPct val="100000"/>
-              </a:lnSpc>
+            <a:pPr lvl="0" algn="l" rtl="0">
               <a:spcBef>
                 <a:spcPts val="0"/>
               </a:spcBef>
@@ -11252,17 +11254,33 @@
                 <a:spcPts val="0"/>
               </a:spcAft>
               <a:buClr>
-                <a:srgbClr val="FFFFFF"/>
+                <a:schemeClr val="bg1"/>
               </a:buClr>
-              <a:buSzPts val="2400"/>
-              <a:buFont typeface="Calibri"/>
-              <a:buNone/>
             </a:pPr>
             <a:r>
-              <a:rPr lang="en-US" sz="4500"/>
-              <a:t>Project Presentation &amp; Demo </a:t>
+              <a:rPr lang="en-US" sz="4000" b="1" dirty="0">
+                <a:solidFill>
+                  <a:schemeClr val="lt1"/>
+                </a:solidFill>
+                <a:latin typeface="Georgia Pro Semibold" panose="020B0604020202020204" pitchFamily="18" charset="0"/>
+              </a:rPr>
+              <a:t>Bulk Import Vendors via AW UI for </a:t>
             </a:r>
-            <a:endParaRPr sz="4500"/>
+            <a:r>
+              <a:rPr lang="en-US" sz="4000" b="1" dirty="0" err="1">
+                <a:solidFill>
+                  <a:schemeClr val="lt1"/>
+                </a:solidFill>
+                <a:latin typeface="Georgia Pro Semibold" panose="020B0604020202020204" pitchFamily="18" charset="0"/>
+              </a:rPr>
+              <a:t>TcX</a:t>
+            </a:r>
+            <a:endParaRPr lang="en-US" sz="4000" b="1" dirty="0">
+              <a:solidFill>
+                <a:schemeClr val="lt1"/>
+              </a:solidFill>
+              <a:latin typeface="Georgia Pro Semibold" panose="020B0604020202020204" pitchFamily="18" charset="0"/>
+            </a:endParaRPr>
           </a:p>
         </p:txBody>
       </p:sp>
@@ -11323,7 +11341,7 @@
         </p:nvSpPr>
         <p:spPr>
           <a:xfrm>
-            <a:off x="667050" y="3869575"/>
+            <a:off x="667050" y="3822441"/>
             <a:ext cx="8212500" cy="461700"/>
           </a:xfrm>
           <a:prstGeom prst="rect">
@@ -11350,14 +11368,14 @@
               <a:buNone/>
             </a:pPr>
             <a:r>
-              <a:rPr lang="en-US" sz="1800">
+              <a:rPr lang="en-US" sz="1800" dirty="0">
                 <a:solidFill>
                   <a:schemeClr val="lt1"/>
                 </a:solidFill>
               </a:rPr>
               <a:t>Ashutosh Korde(Summer Intern Siemens DISW)</a:t>
             </a:r>
-            <a:endParaRPr sz="1800">
+            <a:endParaRPr sz="1800" dirty="0">
               <a:solidFill>
                 <a:schemeClr val="lt1"/>
               </a:solidFill>
@@ -11374,6 +11392,538 @@
 </file>
 
 <file path=ppt/slides/slide10.xml><?xml version="1.0" encoding="utf-8"?>
+<p:sld xmlns:a="http://schemas.openxmlformats.org/drawingml/2006/main" xmlns:r="http://schemas.openxmlformats.org/officeDocument/2006/relationships" xmlns:p="http://schemas.openxmlformats.org/presentationml/2006/main">
+  <p:cSld>
+    <p:spTree>
+      <p:nvGrpSpPr>
+        <p:cNvPr id="1" name="Shape 123"/>
+        <p:cNvGrpSpPr/>
+        <p:nvPr/>
+      </p:nvGrpSpPr>
+      <p:grpSpPr>
+        <a:xfrm>
+          <a:off x="0" y="0"/>
+          <a:ext cx="0" cy="0"/>
+          <a:chOff x="0" y="0"/>
+          <a:chExt cx="0" cy="0"/>
+        </a:xfrm>
+      </p:grpSpPr>
+      <p:sp>
+        <p:nvSpPr>
+          <p:cNvPr id="124" name="Google Shape;124;p16"/>
+          <p:cNvSpPr txBox="1">
+            <a:spLocks noGrp="1"/>
+          </p:cNvSpPr>
+          <p:nvPr>
+            <p:ph type="title"/>
+          </p:nvPr>
+        </p:nvSpPr>
+        <p:spPr>
+          <a:xfrm>
+            <a:off x="528410" y="767677"/>
+            <a:ext cx="9216000" cy="470100"/>
+          </a:xfrm>
+          <a:prstGeom prst="rect">
+            <a:avLst/>
+          </a:prstGeom>
+          <a:noFill/>
+          <a:ln>
+            <a:noFill/>
+          </a:ln>
+        </p:spPr>
+        <p:txBody>
+          <a:bodyPr spcFirstLastPara="1" wrap="square" lIns="0" tIns="54000" rIns="0" bIns="0" anchor="t" anchorCtr="0">
+            <a:spAutoFit/>
+          </a:bodyPr>
+          <a:lstStyle/>
+          <a:p>
+            <a:pPr marL="0" lvl="0" indent="0" algn="l" rtl="0">
+              <a:lnSpc>
+                <a:spcPct val="90000"/>
+              </a:lnSpc>
+              <a:spcBef>
+                <a:spcPts val="0"/>
+              </a:spcBef>
+              <a:spcAft>
+                <a:spcPts val="0"/>
+              </a:spcAft>
+              <a:buClr>
+                <a:schemeClr val="lt1"/>
+              </a:buClr>
+              <a:buSzPts val="8000"/>
+              <a:buFont typeface="Arial"/>
+              <a:buNone/>
+            </a:pPr>
+            <a:r>
+              <a:rPr lang="en-US" sz="3000" dirty="0"/>
+              <a:t>Learnings &amp; Key Takeaways</a:t>
+            </a:r>
+            <a:endParaRPr sz="3000" dirty="0"/>
+          </a:p>
+        </p:txBody>
+      </p:sp>
+      <p:sp>
+        <p:nvSpPr>
+          <p:cNvPr id="125" name="Google Shape;125;p16"/>
+          <p:cNvSpPr txBox="1">
+            <a:spLocks noGrp="1"/>
+          </p:cNvSpPr>
+          <p:nvPr>
+            <p:ph type="ftr" idx="11"/>
+          </p:nvPr>
+        </p:nvSpPr>
+        <p:spPr>
+          <a:xfrm>
+            <a:off x="1059160" y="6310800"/>
+            <a:ext cx="9216000" cy="547200"/>
+          </a:xfrm>
+          <a:prstGeom prst="rect">
+            <a:avLst/>
+          </a:prstGeom>
+          <a:noFill/>
+          <a:ln>
+            <a:noFill/>
+          </a:ln>
+        </p:spPr>
+        <p:txBody>
+          <a:bodyPr spcFirstLastPara="1" wrap="square" lIns="0" tIns="0" rIns="0" bIns="61200" anchor="ctr" anchorCtr="0">
+            <a:noAutofit/>
+          </a:bodyPr>
+          <a:lstStyle/>
+          <a:p>
+            <a:pPr marL="0" lvl="0" indent="0" algn="l" rtl="0">
+              <a:lnSpc>
+                <a:spcPct val="100000"/>
+              </a:lnSpc>
+              <a:spcBef>
+                <a:spcPts val="0"/>
+              </a:spcBef>
+              <a:spcAft>
+                <a:spcPts val="0"/>
+              </a:spcAft>
+              <a:buNone/>
+            </a:pPr>
+            <a:r>
+              <a:rPr lang="en-US" dirty="0"/>
+              <a:t>Restricted | © Siemens 2025 | Siemens Digital Industries Software</a:t>
+            </a:r>
+            <a:endParaRPr dirty="0"/>
+          </a:p>
+        </p:txBody>
+      </p:sp>
+      <p:sp>
+        <p:nvSpPr>
+          <p:cNvPr id="126" name="Google Shape;126;p16"/>
+          <p:cNvSpPr txBox="1"/>
+          <p:nvPr/>
+        </p:nvSpPr>
+        <p:spPr>
+          <a:xfrm>
+            <a:off x="492980" y="1437221"/>
+            <a:ext cx="8212500" cy="553968"/>
+          </a:xfrm>
+          <a:prstGeom prst="rect">
+            <a:avLst/>
+          </a:prstGeom>
+          <a:noFill/>
+          <a:ln>
+            <a:noFill/>
+          </a:ln>
+        </p:spPr>
+        <p:txBody>
+          <a:bodyPr spcFirstLastPara="1" wrap="square" lIns="91425" tIns="91425" rIns="91425" bIns="91425" anchor="t" anchorCtr="0">
+            <a:spAutoFit/>
+          </a:bodyPr>
+          <a:lstStyle/>
+          <a:p>
+            <a:pPr marL="0" lvl="0" indent="0" algn="l" rtl="0">
+              <a:spcBef>
+                <a:spcPts val="0"/>
+              </a:spcBef>
+              <a:spcAft>
+                <a:spcPts val="0"/>
+              </a:spcAft>
+              <a:buNone/>
+            </a:pPr>
+            <a:r>
+              <a:rPr lang="en-US" sz="2400" dirty="0">
+                <a:solidFill>
+                  <a:schemeClr val="lt1"/>
+                </a:solidFill>
+              </a:rPr>
+              <a:t>Development</a:t>
+            </a:r>
+            <a:r>
+              <a:rPr lang="en-US" sz="1800" dirty="0">
+                <a:solidFill>
+                  <a:schemeClr val="lt1"/>
+                </a:solidFill>
+              </a:rPr>
+              <a:t> </a:t>
+            </a:r>
+            <a:r>
+              <a:rPr lang="en-US" sz="2400" dirty="0">
+                <a:solidFill>
+                  <a:schemeClr val="lt1"/>
+                </a:solidFill>
+              </a:rPr>
+              <a:t>Learnings</a:t>
+            </a:r>
+            <a:endParaRPr sz="2400" dirty="0">
+              <a:solidFill>
+                <a:schemeClr val="lt1"/>
+              </a:solidFill>
+            </a:endParaRPr>
+          </a:p>
+        </p:txBody>
+      </p:sp>
+      <p:sp>
+        <p:nvSpPr>
+          <p:cNvPr id="128" name="Google Shape;128;p16"/>
+          <p:cNvSpPr txBox="1"/>
+          <p:nvPr/>
+        </p:nvSpPr>
+        <p:spPr>
+          <a:xfrm>
+            <a:off x="697376" y="2056841"/>
+            <a:ext cx="12036287" cy="2224168"/>
+          </a:xfrm>
+          <a:prstGeom prst="rect">
+            <a:avLst/>
+          </a:prstGeom>
+          <a:noFill/>
+          <a:ln>
+            <a:noFill/>
+          </a:ln>
+        </p:spPr>
+        <p:txBody>
+          <a:bodyPr spcFirstLastPara="1" wrap="square" lIns="91425" tIns="91425" rIns="91425" bIns="91425" anchor="t" anchorCtr="0">
+            <a:spAutoFit/>
+          </a:bodyPr>
+          <a:lstStyle/>
+          <a:p>
+            <a:pPr marL="457200" lvl="0" indent="-330200" algn="l" rtl="0">
+              <a:lnSpc>
+                <a:spcPct val="115000"/>
+              </a:lnSpc>
+              <a:spcBef>
+                <a:spcPts val="1000"/>
+              </a:spcBef>
+              <a:spcAft>
+                <a:spcPts val="0"/>
+              </a:spcAft>
+              <a:buClr>
+                <a:schemeClr val="lt1"/>
+              </a:buClr>
+              <a:buSzPts val="1600"/>
+              <a:buChar char="●"/>
+            </a:pPr>
+            <a:r>
+              <a:rPr lang="en-US" sz="1800" dirty="0">
+                <a:solidFill>
+                  <a:schemeClr val="lt1"/>
+                </a:solidFill>
+              </a:rPr>
+              <a:t>Gained practical experience with AW’s MVVM-driven UI architecture and event-driven workflows.</a:t>
+            </a:r>
+            <a:endParaRPr sz="1800" dirty="0">
+              <a:solidFill>
+                <a:schemeClr val="lt1"/>
+              </a:solidFill>
+            </a:endParaRPr>
+          </a:p>
+          <a:p>
+            <a:pPr marL="457200" lvl="0" indent="-330200" algn="l" rtl="0">
+              <a:lnSpc>
+                <a:spcPct val="115000"/>
+              </a:lnSpc>
+              <a:spcBef>
+                <a:spcPts val="0"/>
+              </a:spcBef>
+              <a:spcAft>
+                <a:spcPts val="0"/>
+              </a:spcAft>
+              <a:buClr>
+                <a:schemeClr val="lt1"/>
+              </a:buClr>
+              <a:buSzPts val="1600"/>
+              <a:buChar char="●"/>
+            </a:pPr>
+            <a:r>
+              <a:rPr lang="en-US" sz="1800" dirty="0">
+                <a:solidFill>
+                  <a:schemeClr val="lt1"/>
+                </a:solidFill>
+              </a:rPr>
+              <a:t>Learned to interact with Teamcenter SOA/REST APIs for executing business logic.</a:t>
+            </a:r>
+            <a:endParaRPr sz="1800" dirty="0">
+              <a:solidFill>
+                <a:schemeClr val="lt1"/>
+              </a:solidFill>
+            </a:endParaRPr>
+          </a:p>
+          <a:p>
+            <a:pPr marL="457200" indent="-330200">
+              <a:lnSpc>
+                <a:spcPct val="115000"/>
+              </a:lnSpc>
+              <a:buClr>
+                <a:schemeClr val="lt1"/>
+              </a:buClr>
+              <a:buSzPts val="1600"/>
+              <a:buFont typeface="Arial"/>
+              <a:buChar char="●"/>
+            </a:pPr>
+            <a:r>
+              <a:rPr lang="en-US" sz="1800" dirty="0">
+                <a:solidFill>
+                  <a:schemeClr val="lt1"/>
+                </a:solidFill>
+              </a:rPr>
+              <a:t>Learned creating SOA using BMIDE to handle business logic.</a:t>
+            </a:r>
+          </a:p>
+          <a:p>
+            <a:pPr marL="457200" indent="-330200">
+              <a:lnSpc>
+                <a:spcPct val="115000"/>
+              </a:lnSpc>
+              <a:buClr>
+                <a:schemeClr val="lt1"/>
+              </a:buClr>
+              <a:buSzPts val="1600"/>
+              <a:buFont typeface="Arial"/>
+              <a:buChar char="●"/>
+            </a:pPr>
+            <a:r>
+              <a:rPr lang="en-US" sz="1800" dirty="0">
+                <a:solidFill>
+                  <a:schemeClr val="lt1"/>
+                </a:solidFill>
+              </a:rPr>
+              <a:t>Gained knowledge about build structure &amp; how to resolve build errors.</a:t>
+            </a:r>
+          </a:p>
+          <a:p>
+            <a:pPr marL="457200" indent="-330200">
+              <a:lnSpc>
+                <a:spcPct val="115000"/>
+              </a:lnSpc>
+              <a:buClr>
+                <a:schemeClr val="lt1"/>
+              </a:buClr>
+              <a:buSzPts val="1600"/>
+              <a:buFont typeface="Arial"/>
+              <a:buChar char="●"/>
+            </a:pPr>
+            <a:r>
+              <a:rPr lang="en-US" sz="1800" dirty="0">
+                <a:solidFill>
+                  <a:schemeClr val="lt1"/>
+                </a:solidFill>
+              </a:rPr>
+              <a:t>Figured out working and usage of csv2tcxml &amp; </a:t>
+            </a:r>
+            <a:r>
+              <a:rPr lang="en-US" sz="1800" dirty="0" err="1">
+                <a:solidFill>
+                  <a:schemeClr val="lt1"/>
+                </a:solidFill>
+              </a:rPr>
+              <a:t>tcxml_import</a:t>
+            </a:r>
+            <a:r>
+              <a:rPr lang="en-US" sz="1800" dirty="0">
+                <a:solidFill>
+                  <a:schemeClr val="lt1"/>
+                </a:solidFill>
+              </a:rPr>
+              <a:t> utilities.</a:t>
+            </a:r>
+          </a:p>
+          <a:p>
+            <a:pPr marL="457200" indent="-330200">
+              <a:lnSpc>
+                <a:spcPct val="115000"/>
+              </a:lnSpc>
+              <a:buClr>
+                <a:schemeClr val="lt1"/>
+              </a:buClr>
+              <a:buSzPts val="1600"/>
+              <a:buFont typeface="Arial"/>
+              <a:buChar char="●"/>
+            </a:pPr>
+            <a:endParaRPr lang="en-US" sz="1800" dirty="0">
+              <a:solidFill>
+                <a:schemeClr val="lt1"/>
+              </a:solidFill>
+            </a:endParaRPr>
+          </a:p>
+        </p:txBody>
+      </p:sp>
+      <p:sp>
+        <p:nvSpPr>
+          <p:cNvPr id="2" name="TextBox 1">
+            <a:extLst>
+              <a:ext uri="{FF2B5EF4-FFF2-40B4-BE49-F238E27FC236}">
+                <a16:creationId xmlns:a16="http://schemas.microsoft.com/office/drawing/2014/main" id="{31E056A8-D5A9-BBE0-3127-71922EDED450}"/>
+              </a:ext>
+            </a:extLst>
+          </p:cNvPr>
+          <p:cNvSpPr txBox="1"/>
+          <p:nvPr/>
+        </p:nvSpPr>
+        <p:spPr>
+          <a:xfrm flipH="1">
+            <a:off x="492980" y="4179404"/>
+            <a:ext cx="4387133" cy="461665"/>
+          </a:xfrm>
+          <a:prstGeom prst="rect">
+            <a:avLst/>
+          </a:prstGeom>
+          <a:noFill/>
+        </p:spPr>
+        <p:txBody>
+          <a:bodyPr wrap="square" rtlCol="0">
+            <a:spAutoFit/>
+          </a:bodyPr>
+          <a:lstStyle/>
+          <a:p>
+            <a:r>
+              <a:rPr lang="en-US" sz="2400" dirty="0">
+                <a:solidFill>
+                  <a:schemeClr val="bg1"/>
+                </a:solidFill>
+              </a:rPr>
+              <a:t>Takeaways</a:t>
+            </a:r>
+          </a:p>
+        </p:txBody>
+      </p:sp>
+      <p:sp>
+        <p:nvSpPr>
+          <p:cNvPr id="5" name="TextBox 4">
+            <a:extLst>
+              <a:ext uri="{FF2B5EF4-FFF2-40B4-BE49-F238E27FC236}">
+                <a16:creationId xmlns:a16="http://schemas.microsoft.com/office/drawing/2014/main" id="{2D1EB5C5-B479-FEE2-67B8-7CC0BCDFAAC9}"/>
+              </a:ext>
+            </a:extLst>
+          </p:cNvPr>
+          <p:cNvSpPr txBox="1"/>
+          <p:nvPr/>
+        </p:nvSpPr>
+        <p:spPr>
+          <a:xfrm>
+            <a:off x="697376" y="4801159"/>
+            <a:ext cx="10396331" cy="1138773"/>
+          </a:xfrm>
+          <a:prstGeom prst="rect">
+            <a:avLst/>
+          </a:prstGeom>
+          <a:noFill/>
+        </p:spPr>
+        <p:txBody>
+          <a:bodyPr wrap="square" rtlCol="0">
+            <a:spAutoFit/>
+          </a:bodyPr>
+          <a:lstStyle/>
+          <a:p>
+            <a:pPr marL="285750" indent="-285750">
+              <a:buClr>
+                <a:schemeClr val="bg1"/>
+              </a:buClr>
+              <a:buFont typeface="Wingdings" panose="05000000000000000000" pitchFamily="2" charset="2"/>
+              <a:buChar char="Ø"/>
+            </a:pPr>
+            <a:r>
+              <a:rPr lang="en-US" sz="1800" dirty="0">
+                <a:solidFill>
+                  <a:schemeClr val="bg1"/>
+                </a:solidFill>
+              </a:rPr>
+              <a:t>Gained valuable insights into enterprise solution i.e. Teamcenter.</a:t>
+            </a:r>
+          </a:p>
+          <a:p>
+            <a:pPr marL="285750" indent="-285750">
+              <a:buClr>
+                <a:schemeClr val="bg1"/>
+              </a:buClr>
+              <a:buFont typeface="Wingdings" panose="05000000000000000000" pitchFamily="2" charset="2"/>
+              <a:buChar char="Ø"/>
+            </a:pPr>
+            <a:endParaRPr lang="en-US" sz="1800" dirty="0">
+              <a:solidFill>
+                <a:schemeClr val="bg1"/>
+              </a:solidFill>
+            </a:endParaRPr>
+          </a:p>
+          <a:p>
+            <a:pPr marL="285750" indent="-285750">
+              <a:buClr>
+                <a:schemeClr val="bg1"/>
+              </a:buClr>
+              <a:buFont typeface="Wingdings" panose="05000000000000000000" pitchFamily="2" charset="2"/>
+              <a:buChar char="Ø"/>
+            </a:pPr>
+            <a:r>
+              <a:rPr lang="en-US" sz="1800" dirty="0">
+                <a:solidFill>
+                  <a:schemeClr val="bg1"/>
+                </a:solidFill>
+              </a:rPr>
+              <a:t>Personal Growth both technical &amp; non-technical. </a:t>
+            </a:r>
+          </a:p>
+          <a:p>
+            <a:endParaRPr lang="en-US" dirty="0">
+              <a:solidFill>
+                <a:schemeClr val="bg1"/>
+              </a:solidFill>
+            </a:endParaRPr>
+          </a:p>
+        </p:txBody>
+      </p:sp>
+      <p:pic>
+        <p:nvPicPr>
+          <p:cNvPr id="7" name="Picture 6">
+            <a:extLst>
+              <a:ext uri="{FF2B5EF4-FFF2-40B4-BE49-F238E27FC236}">
+                <a16:creationId xmlns:a16="http://schemas.microsoft.com/office/drawing/2014/main" id="{540C9EC1-93F0-E7C9-988C-042A5CD11FB3}"/>
+              </a:ext>
+            </a:extLst>
+          </p:cNvPr>
+          <p:cNvPicPr>
+            <a:picLocks noChangeAspect="1"/>
+          </p:cNvPicPr>
+          <p:nvPr/>
+        </p:nvPicPr>
+        <p:blipFill>
+          <a:blip r:embed="rId3"/>
+          <a:stretch>
+            <a:fillRect/>
+          </a:stretch>
+        </p:blipFill>
+        <p:spPr>
+          <a:xfrm>
+            <a:off x="10103107" y="507427"/>
+            <a:ext cx="990600" cy="990600"/>
+          </a:xfrm>
+          <a:prstGeom prst="rect">
+            <a:avLst/>
+          </a:prstGeom>
+        </p:spPr>
+      </p:pic>
+    </p:spTree>
+  </p:cSld>
+  <p:clrMapOvr>
+    <a:masterClrMapping/>
+  </p:clrMapOvr>
+</p:sld>
+</file>
+
+<file path=ppt/slides/slide11.xml><?xml version="1.0" encoding="utf-8"?>
 <p:sld xmlns:a="http://schemas.openxmlformats.org/drawingml/2006/main" xmlns:r="http://schemas.openxmlformats.org/officeDocument/2006/relationships" xmlns:p="http://schemas.openxmlformats.org/presentationml/2006/main" show="0">
   <p:cSld>
     <p:spTree>
@@ -11679,348 +12229,6 @@
           </a:p>
         </p:txBody>
       </p:sp>
-    </p:spTree>
-  </p:cSld>
-  <p:clrMapOvr>
-    <a:masterClrMapping/>
-  </p:clrMapOvr>
-</p:sld>
-</file>
-
-<file path=ppt/slides/slide11.xml><?xml version="1.0" encoding="utf-8"?>
-<p:sld xmlns:a="http://schemas.openxmlformats.org/drawingml/2006/main" xmlns:r="http://schemas.openxmlformats.org/officeDocument/2006/relationships" xmlns:p="http://schemas.openxmlformats.org/presentationml/2006/main">
-  <p:cSld>
-    <p:spTree>
-      <p:nvGrpSpPr>
-        <p:cNvPr id="1" name="Shape 140"/>
-        <p:cNvGrpSpPr/>
-        <p:nvPr/>
-      </p:nvGrpSpPr>
-      <p:grpSpPr>
-        <a:xfrm>
-          <a:off x="0" y="0"/>
-          <a:ext cx="0" cy="0"/>
-          <a:chOff x="0" y="0"/>
-          <a:chExt cx="0" cy="0"/>
-        </a:xfrm>
-      </p:grpSpPr>
-      <p:sp>
-        <p:nvSpPr>
-          <p:cNvPr id="141" name="Google Shape;141;p18"/>
-          <p:cNvSpPr txBox="1">
-            <a:spLocks noGrp="1"/>
-          </p:cNvSpPr>
-          <p:nvPr>
-            <p:ph type="title"/>
-          </p:nvPr>
-        </p:nvSpPr>
-        <p:spPr>
-          <a:xfrm>
-            <a:off x="744700" y="921150"/>
-            <a:ext cx="9216000" cy="470100"/>
-          </a:xfrm>
-          <a:prstGeom prst="rect">
-            <a:avLst/>
-          </a:prstGeom>
-          <a:noFill/>
-          <a:ln>
-            <a:noFill/>
-          </a:ln>
-        </p:spPr>
-        <p:txBody>
-          <a:bodyPr spcFirstLastPara="1" wrap="square" lIns="0" tIns="54000" rIns="0" bIns="0" anchor="t" anchorCtr="0">
-            <a:spAutoFit/>
-          </a:bodyPr>
-          <a:lstStyle/>
-          <a:p>
-            <a:pPr marL="0" lvl="0" indent="0" algn="l" rtl="0">
-              <a:lnSpc>
-                <a:spcPct val="90000"/>
-              </a:lnSpc>
-              <a:spcBef>
-                <a:spcPts val="0"/>
-              </a:spcBef>
-              <a:spcAft>
-                <a:spcPts val="0"/>
-              </a:spcAft>
-              <a:buClr>
-                <a:schemeClr val="lt1"/>
-              </a:buClr>
-              <a:buSzPts val="8000"/>
-              <a:buFont typeface="Arial"/>
-              <a:buNone/>
-            </a:pPr>
-            <a:r>
-              <a:rPr lang="en-US" sz="3000" dirty="0"/>
-              <a:t>Future Steps</a:t>
-            </a:r>
-            <a:endParaRPr sz="3000" dirty="0"/>
-          </a:p>
-        </p:txBody>
-      </p:sp>
-      <p:sp>
-        <p:nvSpPr>
-          <p:cNvPr id="142" name="Google Shape;142;p18"/>
-          <p:cNvSpPr txBox="1">
-            <a:spLocks noGrp="1"/>
-          </p:cNvSpPr>
-          <p:nvPr>
-            <p:ph type="ftr" idx="11"/>
-          </p:nvPr>
-        </p:nvSpPr>
-        <p:spPr>
-          <a:xfrm>
-            <a:off x="1059160" y="6310800"/>
-            <a:ext cx="9216000" cy="547200"/>
-          </a:xfrm>
-          <a:prstGeom prst="rect">
-            <a:avLst/>
-          </a:prstGeom>
-          <a:noFill/>
-          <a:ln>
-            <a:noFill/>
-          </a:ln>
-        </p:spPr>
-        <p:txBody>
-          <a:bodyPr spcFirstLastPara="1" wrap="square" lIns="0" tIns="0" rIns="0" bIns="61200" anchor="ctr" anchorCtr="0">
-            <a:noAutofit/>
-          </a:bodyPr>
-          <a:lstStyle/>
-          <a:p>
-            <a:pPr marL="0" lvl="0" indent="0" algn="l" rtl="0">
-              <a:lnSpc>
-                <a:spcPct val="100000"/>
-              </a:lnSpc>
-              <a:spcBef>
-                <a:spcPts val="0"/>
-              </a:spcBef>
-              <a:spcAft>
-                <a:spcPts val="0"/>
-              </a:spcAft>
-              <a:buNone/>
-            </a:pPr>
-            <a:r>
-              <a:rPr lang="en-US"/>
-              <a:t>Restricted | © Siemens 2025 | Siemens Digital Industries Software</a:t>
-            </a:r>
-            <a:endParaRPr/>
-          </a:p>
-        </p:txBody>
-      </p:sp>
-      <p:sp>
-        <p:nvSpPr>
-          <p:cNvPr id="143" name="Google Shape;143;p18"/>
-          <p:cNvSpPr txBox="1"/>
-          <p:nvPr/>
-        </p:nvSpPr>
-        <p:spPr>
-          <a:xfrm>
-            <a:off x="943875" y="1902000"/>
-            <a:ext cx="8212500" cy="461700"/>
-          </a:xfrm>
-          <a:prstGeom prst="rect">
-            <a:avLst/>
-          </a:prstGeom>
-          <a:noFill/>
-          <a:ln>
-            <a:noFill/>
-          </a:ln>
-        </p:spPr>
-        <p:txBody>
-          <a:bodyPr spcFirstLastPara="1" wrap="square" lIns="91425" tIns="91425" rIns="91425" bIns="91425" anchor="t" anchorCtr="0">
-            <a:spAutoFit/>
-          </a:bodyPr>
-          <a:lstStyle/>
-          <a:p>
-            <a:pPr marL="0" lvl="0" indent="0" algn="l" rtl="0">
-              <a:spcBef>
-                <a:spcPts val="0"/>
-              </a:spcBef>
-              <a:spcAft>
-                <a:spcPts val="0"/>
-              </a:spcAft>
-              <a:buNone/>
-            </a:pPr>
-            <a:endParaRPr sz="1800">
-              <a:solidFill>
-                <a:schemeClr val="lt1"/>
-              </a:solidFill>
-            </a:endParaRPr>
-          </a:p>
-        </p:txBody>
-      </p:sp>
-      <p:sp>
-        <p:nvSpPr>
-          <p:cNvPr id="144" name="Google Shape;144;p18"/>
-          <p:cNvSpPr txBox="1"/>
-          <p:nvPr/>
-        </p:nvSpPr>
-        <p:spPr>
-          <a:xfrm>
-            <a:off x="943875" y="2213095"/>
-            <a:ext cx="10350972" cy="2123628"/>
-          </a:xfrm>
-          <a:prstGeom prst="rect">
-            <a:avLst/>
-          </a:prstGeom>
-          <a:noFill/>
-          <a:ln>
-            <a:noFill/>
-          </a:ln>
-        </p:spPr>
-        <p:txBody>
-          <a:bodyPr spcFirstLastPara="1" wrap="square" lIns="91425" tIns="91425" rIns="91425" bIns="91425" anchor="t" anchorCtr="0">
-            <a:spAutoFit/>
-          </a:bodyPr>
-          <a:lstStyle/>
-          <a:p>
-            <a:pPr marL="457200" lvl="0" indent="-342900" algn="l" rtl="0">
-              <a:spcBef>
-                <a:spcPts val="0"/>
-              </a:spcBef>
-              <a:spcAft>
-                <a:spcPts val="0"/>
-              </a:spcAft>
-              <a:buClr>
-                <a:schemeClr val="lt1"/>
-              </a:buClr>
-              <a:buSzPts val="1800"/>
-              <a:buChar char="●"/>
-            </a:pPr>
-            <a:r>
-              <a:rPr lang="en-US" sz="1800" dirty="0">
-                <a:solidFill>
-                  <a:schemeClr val="lt1"/>
-                </a:solidFill>
-              </a:rPr>
-              <a:t>Error handling needs to be more robust and thoroughly tested to ensure meaningful error propagation, structured error codes.</a:t>
-            </a:r>
-            <a:endParaRPr sz="1800" dirty="0">
-              <a:solidFill>
-                <a:schemeClr val="lt1"/>
-              </a:solidFill>
-            </a:endParaRPr>
-          </a:p>
-          <a:p>
-            <a:pPr marL="457200" lvl="0" indent="0" algn="l" rtl="0">
-              <a:spcBef>
-                <a:spcPts val="0"/>
-              </a:spcBef>
-              <a:spcAft>
-                <a:spcPts val="0"/>
-              </a:spcAft>
-              <a:buNone/>
-            </a:pPr>
-            <a:endParaRPr sz="1800" dirty="0">
-              <a:solidFill>
-                <a:schemeClr val="lt1"/>
-              </a:solidFill>
-            </a:endParaRPr>
-          </a:p>
-          <a:p>
-            <a:pPr marL="457200" lvl="0" indent="-342900" algn="l" rtl="0">
-              <a:spcBef>
-                <a:spcPts val="0"/>
-              </a:spcBef>
-              <a:spcAft>
-                <a:spcPts val="0"/>
-              </a:spcAft>
-              <a:buClr>
-                <a:schemeClr val="lt1"/>
-              </a:buClr>
-              <a:buSzPts val="1800"/>
-              <a:buChar char="●"/>
-            </a:pPr>
-            <a:r>
-              <a:rPr lang="en-US" sz="1800" dirty="0">
-                <a:solidFill>
-                  <a:schemeClr val="lt1"/>
-                </a:solidFill>
-              </a:rPr>
-              <a:t>File validation needs to be added to check the syntax of content in the CSV file.</a:t>
-            </a:r>
-            <a:endParaRPr sz="1800" dirty="0">
-              <a:solidFill>
-                <a:schemeClr val="lt1"/>
-              </a:solidFill>
-            </a:endParaRPr>
-          </a:p>
-          <a:p>
-            <a:pPr marL="457200" lvl="0" indent="0" algn="l" rtl="0">
-              <a:spcBef>
-                <a:spcPts val="0"/>
-              </a:spcBef>
-              <a:spcAft>
-                <a:spcPts val="0"/>
-              </a:spcAft>
-              <a:buNone/>
-            </a:pPr>
-            <a:endParaRPr sz="1800" dirty="0">
-              <a:solidFill>
-                <a:schemeClr val="lt1"/>
-              </a:solidFill>
-            </a:endParaRPr>
-          </a:p>
-          <a:p>
-            <a:pPr marL="457200" lvl="0" indent="-342900" algn="l" rtl="0">
-              <a:spcBef>
-                <a:spcPts val="0"/>
-              </a:spcBef>
-              <a:spcAft>
-                <a:spcPts val="0"/>
-              </a:spcAft>
-              <a:buClr>
-                <a:schemeClr val="lt1"/>
-              </a:buClr>
-              <a:buSzPts val="1800"/>
-              <a:buChar char="●"/>
-            </a:pPr>
-            <a:r>
-              <a:rPr lang="en-US" sz="1800" dirty="0">
-                <a:solidFill>
-                  <a:schemeClr val="lt1"/>
-                </a:solidFill>
-              </a:rPr>
-              <a:t>Limitations in mapping functionality of utilities needs to be overcome in order to give more options for users to use different attributes of objects to be referred.</a:t>
-            </a:r>
-            <a:endParaRPr sz="1800" dirty="0">
-              <a:solidFill>
-                <a:schemeClr val="lt1"/>
-              </a:solidFill>
-            </a:endParaRPr>
-          </a:p>
-        </p:txBody>
-      </p:sp>
-      <p:pic>
-        <p:nvPicPr>
-          <p:cNvPr id="5" name="Picture 4">
-            <a:extLst>
-              <a:ext uri="{FF2B5EF4-FFF2-40B4-BE49-F238E27FC236}">
-                <a16:creationId xmlns:a16="http://schemas.microsoft.com/office/drawing/2014/main" id="{E8F6DEF6-5550-903B-546B-63F224E1D733}"/>
-              </a:ext>
-            </a:extLst>
-          </p:cNvPr>
-          <p:cNvPicPr>
-            <a:picLocks noChangeAspect="1"/>
-          </p:cNvPicPr>
-          <p:nvPr/>
-        </p:nvPicPr>
-        <p:blipFill>
-          <a:blip r:embed="rId3"/>
-          <a:stretch>
-            <a:fillRect/>
-          </a:stretch>
-        </p:blipFill>
-        <p:spPr>
-          <a:xfrm>
-            <a:off x="9372600" y="496363"/>
-            <a:ext cx="1205982" cy="1205982"/>
-          </a:xfrm>
-          <a:prstGeom prst="rect">
-            <a:avLst/>
-          </a:prstGeom>
-        </p:spPr>
-      </p:pic>
     </p:spTree>
   </p:cSld>
   <p:clrMapOvr>
@@ -12500,7 +12708,7 @@
   <p:cSld>
     <p:spTree>
       <p:nvGrpSpPr>
-        <p:cNvPr id="1" name="Shape 155"/>
+        <p:cNvPr id="1" name="Shape 148"/>
         <p:cNvGrpSpPr/>
         <p:nvPr/>
       </p:nvGrpSpPr>
@@ -12514,7 +12722,7 @@
       </p:grpSpPr>
       <p:sp>
         <p:nvSpPr>
-          <p:cNvPr id="156" name="Google Shape;156;p20"/>
+          <p:cNvPr id="149" name="Google Shape;149;p19"/>
           <p:cNvSpPr txBox="1">
             <a:spLocks noGrp="1"/>
           </p:cNvSpPr>
@@ -12524,8 +12732,8 @@
         </p:nvSpPr>
         <p:spPr>
           <a:xfrm>
-            <a:off x="4948500" y="2717600"/>
-            <a:ext cx="2295000" cy="1162800"/>
+            <a:off x="4669592" y="2536594"/>
+            <a:ext cx="1995135" cy="968624"/>
           </a:xfrm>
           <a:prstGeom prst="rect">
             <a:avLst/>
@@ -12559,16 +12767,16 @@
               <a:buNone/>
             </a:pPr>
             <a:r>
-              <a:rPr lang="en-US"/>
+              <a:rPr lang="en-US" sz="6600" dirty="0"/>
               <a:t>Q&amp;A</a:t>
             </a:r>
-            <a:endParaRPr/>
+            <a:endParaRPr sz="6600" dirty="0"/>
           </a:p>
         </p:txBody>
       </p:sp>
       <p:sp>
         <p:nvSpPr>
-          <p:cNvPr id="157" name="Google Shape;157;p20"/>
+          <p:cNvPr id="150" name="Google Shape;150;p19"/>
           <p:cNvSpPr txBox="1">
             <a:spLocks noGrp="1"/>
           </p:cNvSpPr>
@@ -12616,6 +12824,11 @@
         </p:txBody>
       </p:sp>
     </p:spTree>
+    <p:extLst>
+      <p:ext uri="{BB962C8B-B14F-4D97-AF65-F5344CB8AC3E}">
+        <p14:creationId xmlns:p14="http://schemas.microsoft.com/office/powerpoint/2010/main" val="2993205147"/>
+      </p:ext>
+    </p:extLst>
   </p:cSld>
   <p:clrMapOvr>
     <a:masterClrMapping/>
@@ -13181,7 +13394,7 @@
         </p:nvSpPr>
         <p:spPr>
           <a:xfrm>
-            <a:off x="476260" y="1292651"/>
+            <a:off x="429126" y="1503197"/>
             <a:ext cx="9490500" cy="553968"/>
           </a:xfrm>
           <a:prstGeom prst="rect">
@@ -13264,8 +13477,8 @@
         </p:nvSpPr>
         <p:spPr>
           <a:xfrm>
-            <a:off x="476260" y="1885010"/>
-            <a:ext cx="11715740" cy="724680"/>
+            <a:off x="1274374" y="3288531"/>
+            <a:ext cx="4939542" cy="1819374"/>
           </a:xfrm>
           <a:prstGeom prst="rect">
             <a:avLst/>
@@ -13281,14 +13494,18 @@
           </a:bodyPr>
           <a:lstStyle/>
           <a:p>
-            <a:pPr marL="0" lvl="0" indent="0" rtl="0">
-              <a:spcBef>
-                <a:spcPts val="0"/>
-              </a:spcBef>
-              <a:spcAft>
-                <a:spcPts val="0"/>
-              </a:spcAft>
-              <a:buNone/>
+            <a:pPr marL="285750" lvl="0" indent="-285750" rtl="0">
+              <a:spcBef>
+                <a:spcPts val="0"/>
+              </a:spcBef>
+              <a:spcAft>
+                <a:spcPts val="0"/>
+              </a:spcAft>
+              <a:buClr>
+                <a:schemeClr val="bg1"/>
+              </a:buClr>
+              <a:buFont typeface="Wingdings" panose="05000000000000000000" pitchFamily="2" charset="2"/>
+              <a:buChar char="Ø"/>
             </a:pPr>
             <a:r>
               <a:rPr lang="en-US" sz="1800" dirty="0">
@@ -13296,24 +13513,137 @@
                   <a:schemeClr val="lt1"/>
                 </a:solidFill>
               </a:rPr>
-              <a:t>Streamline the process of onboarding multiple vendors by enabling users to efficiently import large volumes of vendor into </a:t>
+              <a:t>Why Bulk Import Vendors</a:t>
             </a:r>
-            <a:r>
-              <a:rPr lang="en-US" sz="1700" dirty="0">
-                <a:solidFill>
-                  <a:schemeClr val="lt1"/>
-                </a:solidFill>
-              </a:rPr>
-              <a:t>Teamcenter</a:t>
-            </a:r>
+          </a:p>
+          <a:p>
+            <a:pPr marL="285750" lvl="0" indent="-285750" rtl="0">
+              <a:spcBef>
+                <a:spcPts val="0"/>
+              </a:spcBef>
+              <a:spcAft>
+                <a:spcPts val="0"/>
+              </a:spcAft>
+              <a:buClr>
+                <a:schemeClr val="bg1"/>
+              </a:buClr>
+              <a:buFont typeface="Wingdings" panose="05000000000000000000" pitchFamily="2" charset="2"/>
+              <a:buChar char="Ø"/>
+            </a:pPr>
+            <a:endParaRPr lang="en-US" sz="1800" dirty="0">
+              <a:solidFill>
+                <a:schemeClr val="lt1"/>
+              </a:solidFill>
+            </a:endParaRPr>
+          </a:p>
+          <a:p>
+            <a:pPr marL="285750" lvl="0" indent="-285750" rtl="0">
+              <a:spcBef>
+                <a:spcPts val="0"/>
+              </a:spcBef>
+              <a:spcAft>
+                <a:spcPts val="0"/>
+              </a:spcAft>
+              <a:buClr>
+                <a:schemeClr val="bg1"/>
+              </a:buClr>
+              <a:buFont typeface="Wingdings" panose="05000000000000000000" pitchFamily="2" charset="2"/>
+              <a:buChar char="Ø"/>
+            </a:pPr>
             <a:r>
               <a:rPr lang="en-US" sz="1800" dirty="0">
                 <a:solidFill>
                   <a:schemeClr val="lt1"/>
                 </a:solidFill>
               </a:rPr>
-              <a:t> using AW UI, reducing manual effort, minimizing errors, and accelerating data integration.</a:t>
+              <a:t>Existing Solution &amp; Limitation</a:t>
             </a:r>
+          </a:p>
+          <a:p>
+            <a:pPr marL="285750" lvl="0" indent="-285750" rtl="0">
+              <a:spcBef>
+                <a:spcPts val="0"/>
+              </a:spcBef>
+              <a:spcAft>
+                <a:spcPts val="0"/>
+              </a:spcAft>
+              <a:buClr>
+                <a:schemeClr val="bg1"/>
+              </a:buClr>
+              <a:buFont typeface="Wingdings" panose="05000000000000000000" pitchFamily="2" charset="2"/>
+              <a:buChar char="Ø"/>
+            </a:pPr>
+            <a:endParaRPr lang="en-US" sz="1800" dirty="0">
+              <a:solidFill>
+                <a:schemeClr val="lt1"/>
+              </a:solidFill>
+            </a:endParaRPr>
+          </a:p>
+          <a:p>
+            <a:pPr marL="285750" lvl="0" indent="-285750" rtl="0">
+              <a:spcBef>
+                <a:spcPts val="0"/>
+              </a:spcBef>
+              <a:spcAft>
+                <a:spcPts val="0"/>
+              </a:spcAft>
+              <a:buClr>
+                <a:schemeClr val="bg1"/>
+              </a:buClr>
+              <a:buFont typeface="Wingdings" panose="05000000000000000000" pitchFamily="2" charset="2"/>
+              <a:buChar char="Ø"/>
+            </a:pPr>
+            <a:r>
+              <a:rPr lang="en-US" sz="1800" dirty="0">
+                <a:solidFill>
+                  <a:schemeClr val="lt1"/>
+                </a:solidFill>
+              </a:rPr>
+              <a:t>Proposed Solution</a:t>
+            </a:r>
+          </a:p>
+          <a:p>
+            <a:pPr marL="0" lvl="0" indent="0" rtl="0">
+              <a:spcBef>
+                <a:spcPts val="0"/>
+              </a:spcBef>
+              <a:spcAft>
+                <a:spcPts val="0"/>
+              </a:spcAft>
+              <a:buNone/>
+            </a:pPr>
+            <a:endParaRPr lang="en-US" sz="1800" dirty="0">
+              <a:solidFill>
+                <a:schemeClr val="lt1"/>
+              </a:solidFill>
+            </a:endParaRPr>
+          </a:p>
+          <a:p>
+            <a:pPr marL="0" lvl="0" indent="0" rtl="0">
+              <a:spcBef>
+                <a:spcPts val="0"/>
+              </a:spcBef>
+              <a:spcAft>
+                <a:spcPts val="0"/>
+              </a:spcAft>
+              <a:buNone/>
+            </a:pPr>
+            <a:endParaRPr lang="en-US" sz="1800" dirty="0">
+              <a:solidFill>
+                <a:schemeClr val="lt1"/>
+              </a:solidFill>
+            </a:endParaRPr>
+          </a:p>
+          <a:p>
+            <a:pPr marL="0" lvl="0" indent="0" rtl="0">
+              <a:spcBef>
+                <a:spcPts val="0"/>
+              </a:spcBef>
+              <a:spcAft>
+                <a:spcPts val="0"/>
+              </a:spcAft>
+              <a:buNone/>
+            </a:pPr>
             <a:endParaRPr sz="1800" dirty="0">
               <a:solidFill>
                 <a:schemeClr val="lt1"/>
@@ -13324,38 +13654,40 @@
       </p:sp>
       <p:pic>
         <p:nvPicPr>
-          <p:cNvPr id="87" name="Google Shape;87;p11" title="Use_Case.drawio.png"/>
-          <p:cNvPicPr preferRelativeResize="0"/>
+          <p:cNvPr id="7" name="Picture 6">
+            <a:extLst>
+              <a:ext uri="{FF2B5EF4-FFF2-40B4-BE49-F238E27FC236}">
+                <a16:creationId xmlns:a16="http://schemas.microsoft.com/office/drawing/2014/main" id="{6EDA553F-2D03-3020-8BB4-1AD5622DA1B8}"/>
+              </a:ext>
+            </a:extLst>
+          </p:cNvPr>
+          <p:cNvPicPr>
+            <a:picLocks noChangeAspect="1"/>
+          </p:cNvPicPr>
           <p:nvPr/>
         </p:nvPicPr>
         <p:blipFill>
-          <a:blip r:embed="rId3">
-            <a:alphaModFix/>
-          </a:blip>
+          <a:blip r:embed="rId3"/>
           <a:stretch>
             <a:fillRect/>
           </a:stretch>
         </p:blipFill>
         <p:spPr>
           <a:xfrm>
-            <a:off x="3695935" y="2794550"/>
-            <a:ext cx="3942450" cy="3516250"/>
+            <a:off x="10364612" y="511651"/>
+            <a:ext cx="791817" cy="791817"/>
           </a:xfrm>
           <a:prstGeom prst="rect">
             <a:avLst/>
           </a:prstGeom>
-          <a:noFill/>
-          <a:ln>
-            <a:noFill/>
-          </a:ln>
         </p:spPr>
       </p:pic>
       <p:pic>
         <p:nvPicPr>
-          <p:cNvPr id="7" name="Picture 6">
+          <p:cNvPr id="3" name="Picture 2">
             <a:extLst>
               <a:ext uri="{FF2B5EF4-FFF2-40B4-BE49-F238E27FC236}">
-                <a16:creationId xmlns:a16="http://schemas.microsoft.com/office/drawing/2014/main" id="{6EDA553F-2D03-3020-8BB4-1AD5622DA1B8}"/>
+                <a16:creationId xmlns:a16="http://schemas.microsoft.com/office/drawing/2014/main" id="{5BF20BE1-8BDF-A34A-2D3C-87ED51B9F601}"/>
               </a:ext>
             </a:extLst>
           </p:cNvPr>
@@ -13372,8 +13704,8 @@
         </p:blipFill>
         <p:spPr>
           <a:xfrm>
-            <a:off x="10364612" y="511651"/>
-            <a:ext cx="791817" cy="791817"/>
+            <a:off x="6447935" y="2284639"/>
+            <a:ext cx="4077307" cy="3424714"/>
           </a:xfrm>
           <a:prstGeom prst="rect">
             <a:avLst/>
@@ -13471,7 +13803,7 @@
         </p:nvSpPr>
         <p:spPr>
           <a:xfrm>
-            <a:off x="851270" y="2230676"/>
+            <a:off x="891026" y="2379762"/>
             <a:ext cx="10728000" cy="2251871"/>
           </a:xfrm>
           <a:prstGeom prst="rect">
@@ -13700,7 +14032,7 @@
         </p:blipFill>
         <p:spPr>
           <a:xfrm>
-            <a:off x="10103234" y="663634"/>
+            <a:off x="10275160" y="663634"/>
             <a:ext cx="1093516" cy="1093516"/>
           </a:xfrm>
           <a:prstGeom prst="rect">
@@ -14565,7 +14897,7 @@
             </a:r>
             <a:r>
               <a:rPr lang="en-US" sz="2800" dirty="0"/>
-              <a:t> Flow &amp; SOA Architecture  </a:t>
+              <a:t> Flow &amp; SOA   </a:t>
             </a:r>
             <a:endParaRPr sz="2800" dirty="0"/>
           </a:p>
@@ -14628,8 +14960,8 @@
         </p:nvSpPr>
         <p:spPr>
           <a:xfrm>
-            <a:off x="578777" y="3812586"/>
-            <a:ext cx="2568623" cy="461700"/>
+            <a:off x="578777" y="3906088"/>
+            <a:ext cx="995499" cy="461700"/>
           </a:xfrm>
           <a:prstGeom prst="rect">
             <a:avLst/>
@@ -14669,14 +15001,6 @@
                 </a:solidFill>
               </a:rPr>
               <a:t> </a:t>
-            </a:r>
-            <a:r>
-              <a:rPr lang="en-US" sz="2400" dirty="0">
-                <a:solidFill>
-                  <a:schemeClr val="lt1"/>
-                </a:solidFill>
-              </a:rPr>
-              <a:t>Architecture</a:t>
             </a:r>
             <a:endParaRPr sz="2400" dirty="0">
               <a:solidFill>
@@ -14727,64 +15051,6 @@
       </p:sp>
       <p:pic>
         <p:nvPicPr>
-          <p:cNvPr id="6" name="Picture 5">
-            <a:extLst>
-              <a:ext uri="{FF2B5EF4-FFF2-40B4-BE49-F238E27FC236}">
-                <a16:creationId xmlns:a16="http://schemas.microsoft.com/office/drawing/2014/main" id="{D2F386D5-80BD-1729-93F0-11BC5C0DC878}"/>
-              </a:ext>
-            </a:extLst>
-          </p:cNvPr>
-          <p:cNvPicPr>
-            <a:picLocks noChangeAspect="1"/>
-          </p:cNvPicPr>
-          <p:nvPr/>
-        </p:nvPicPr>
-        <p:blipFill rotWithShape="1">
-          <a:blip r:embed="rId3"/>
-          <a:srcRect l="1875" r="1196" b="10062"/>
-          <a:stretch/>
-        </p:blipFill>
-        <p:spPr>
-          <a:xfrm>
-            <a:off x="718931" y="2102465"/>
-            <a:ext cx="10754137" cy="1522245"/>
-          </a:xfrm>
-          <a:prstGeom prst="rect">
-            <a:avLst/>
-          </a:prstGeom>
-        </p:spPr>
-      </p:pic>
-      <p:pic>
-        <p:nvPicPr>
-          <p:cNvPr id="8" name="Picture 7">
-            <a:extLst>
-              <a:ext uri="{FF2B5EF4-FFF2-40B4-BE49-F238E27FC236}">
-                <a16:creationId xmlns:a16="http://schemas.microsoft.com/office/drawing/2014/main" id="{F387165D-4118-6B09-7644-0CA49704DB21}"/>
-              </a:ext>
-            </a:extLst>
-          </p:cNvPr>
-          <p:cNvPicPr>
-            <a:picLocks noChangeAspect="1"/>
-          </p:cNvPicPr>
-          <p:nvPr/>
-        </p:nvPicPr>
-        <p:blipFill rotWithShape="1">
-          <a:blip r:embed="rId4"/>
-          <a:srcRect l="1875" t="8231" r="1196" b="5626"/>
-          <a:stretch/>
-        </p:blipFill>
-        <p:spPr>
-          <a:xfrm>
-            <a:off x="228599" y="4482733"/>
-            <a:ext cx="11817626" cy="1440989"/>
-          </a:xfrm>
-          <a:prstGeom prst="rect">
-            <a:avLst/>
-          </a:prstGeom>
-        </p:spPr>
-      </p:pic>
-      <p:pic>
-        <p:nvPicPr>
           <p:cNvPr id="10" name="Picture 9">
             <a:extLst>
               <a:ext uri="{FF2B5EF4-FFF2-40B4-BE49-F238E27FC236}">
@@ -14798,15 +15064,74 @@
           <p:nvPr/>
         </p:nvPicPr>
         <p:blipFill>
-          <a:blip r:embed="rId5"/>
+          <a:blip r:embed="rId3"/>
           <a:stretch>
             <a:fillRect/>
           </a:stretch>
         </p:blipFill>
         <p:spPr>
           <a:xfrm>
-            <a:off x="10058399" y="530412"/>
+            <a:off x="10275160" y="487827"/>
             <a:ext cx="921027" cy="970722"/>
+          </a:xfrm>
+          <a:prstGeom prst="rect">
+            <a:avLst/>
+          </a:prstGeom>
+        </p:spPr>
+      </p:pic>
+      <p:pic>
+        <p:nvPicPr>
+          <p:cNvPr id="3" name="Picture 2">
+            <a:extLst>
+              <a:ext uri="{FF2B5EF4-FFF2-40B4-BE49-F238E27FC236}">
+                <a16:creationId xmlns:a16="http://schemas.microsoft.com/office/drawing/2014/main" id="{B1B15EB9-F8E5-3172-3498-29E4C28862F6}"/>
+              </a:ext>
+            </a:extLst>
+          </p:cNvPr>
+          <p:cNvPicPr>
+            <a:picLocks noChangeAspect="1"/>
+          </p:cNvPicPr>
+          <p:nvPr/>
+        </p:nvPicPr>
+        <p:blipFill>
+          <a:blip r:embed="rId4"/>
+          <a:stretch>
+            <a:fillRect/>
+          </a:stretch>
+        </p:blipFill>
+        <p:spPr>
+          <a:xfrm>
+            <a:off x="447773" y="4468706"/>
+            <a:ext cx="11296454" cy="1415938"/>
+          </a:xfrm>
+          <a:prstGeom prst="rect">
+            <a:avLst/>
+          </a:prstGeom>
+        </p:spPr>
+      </p:pic>
+      <p:pic>
+        <p:nvPicPr>
+          <p:cNvPr id="7" name="Picture 6">
+            <a:extLst>
+              <a:ext uri="{FF2B5EF4-FFF2-40B4-BE49-F238E27FC236}">
+                <a16:creationId xmlns:a16="http://schemas.microsoft.com/office/drawing/2014/main" id="{45870BD8-160B-EF94-7B40-0C022127793B}"/>
+              </a:ext>
+            </a:extLst>
+          </p:cNvPr>
+          <p:cNvPicPr>
+            <a:picLocks noChangeAspect="1"/>
+          </p:cNvPicPr>
+          <p:nvPr/>
+        </p:nvPicPr>
+        <p:blipFill rotWithShape="1">
+          <a:blip r:embed="rId5"/>
+          <a:srcRect t="8591" b="7931"/>
+          <a:stretch/>
+        </p:blipFill>
+        <p:spPr>
+          <a:xfrm>
+            <a:off x="998721" y="2194627"/>
+            <a:ext cx="10194557" cy="1538001"/>
           </a:xfrm>
           <a:prstGeom prst="rect">
             <a:avLst/>
@@ -14946,6 +15271,36 @@
           </a:p>
         </p:txBody>
       </p:sp>
+      <p:pic>
+        <p:nvPicPr>
+          <p:cNvPr id="3" name="Picture 2">
+            <a:extLst>
+              <a:ext uri="{FF2B5EF4-FFF2-40B4-BE49-F238E27FC236}">
+                <a16:creationId xmlns:a16="http://schemas.microsoft.com/office/drawing/2014/main" id="{081FCDDE-E2E2-3019-8A7A-6BFDD00010F8}"/>
+              </a:ext>
+            </a:extLst>
+          </p:cNvPr>
+          <p:cNvPicPr>
+            <a:picLocks noChangeAspect="1"/>
+          </p:cNvPicPr>
+          <p:nvPr/>
+        </p:nvPicPr>
+        <p:blipFill>
+          <a:blip r:embed="rId3"/>
+          <a:stretch>
+            <a:fillRect/>
+          </a:stretch>
+        </p:blipFill>
+        <p:spPr>
+          <a:xfrm>
+            <a:off x="10519526" y="593889"/>
+            <a:ext cx="833487" cy="833487"/>
+          </a:xfrm>
+          <a:prstGeom prst="rect">
+            <a:avLst/>
+          </a:prstGeom>
+        </p:spPr>
+      </p:pic>
     </p:spTree>
   </p:cSld>
   <p:clrMapOvr>
@@ -14959,7 +15314,7 @@
   <p:cSld>
     <p:spTree>
       <p:nvGrpSpPr>
-        <p:cNvPr id="1" name="Shape 123"/>
+        <p:cNvPr id="1" name="Shape 140"/>
         <p:cNvGrpSpPr/>
         <p:nvPr/>
       </p:nvGrpSpPr>
@@ -14973,7 +15328,7 @@
       </p:grpSpPr>
       <p:sp>
         <p:nvSpPr>
-          <p:cNvPr id="124" name="Google Shape;124;p16"/>
+          <p:cNvPr id="141" name="Google Shape;141;p18"/>
           <p:cNvSpPr txBox="1">
             <a:spLocks noGrp="1"/>
           </p:cNvSpPr>
@@ -14983,7 +15338,7 @@
         </p:nvSpPr>
         <p:spPr>
           <a:xfrm>
-            <a:off x="528410" y="767677"/>
+            <a:off x="744700" y="921150"/>
             <a:ext cx="9216000" cy="470100"/>
           </a:xfrm>
           <a:prstGeom prst="rect">
@@ -15019,7 +15374,7 @@
             </a:pPr>
             <a:r>
               <a:rPr lang="en-US" sz="3000" dirty="0"/>
-              <a:t>Learnings &amp; Key Takeaways</a:t>
+              <a:t>Future Steps</a:t>
             </a:r>
             <a:endParaRPr sz="3000" dirty="0"/>
           </a:p>
@@ -15027,7 +15382,7 @@
       </p:sp>
       <p:sp>
         <p:nvSpPr>
-          <p:cNvPr id="125" name="Google Shape;125;p16"/>
+          <p:cNvPr id="142" name="Google Shape;142;p18"/>
           <p:cNvSpPr txBox="1">
             <a:spLocks noGrp="1"/>
           </p:cNvSpPr>
@@ -15067,23 +15422,23 @@
               <a:buNone/>
             </a:pPr>
             <a:r>
-              <a:rPr lang="en-US" dirty="0"/>
+              <a:rPr lang="en-US"/>
               <a:t>Restricted | © Siemens 2025 | Siemens Digital Industries Software</a:t>
             </a:r>
-            <a:endParaRPr dirty="0"/>
+            <a:endParaRPr/>
           </a:p>
         </p:txBody>
       </p:sp>
       <p:sp>
         <p:nvSpPr>
-          <p:cNvPr id="126" name="Google Shape;126;p16"/>
+          <p:cNvPr id="143" name="Google Shape;143;p18"/>
           <p:cNvSpPr txBox="1"/>
           <p:nvPr/>
         </p:nvSpPr>
         <p:spPr>
           <a:xfrm>
-            <a:off x="492980" y="1437221"/>
-            <a:ext cx="8212500" cy="553968"/>
+            <a:off x="943875" y="1902000"/>
+            <a:ext cx="8212500" cy="461700"/>
           </a:xfrm>
           <a:prstGeom prst="rect">
             <a:avLst/>
@@ -15108,31 +15463,7 @@
               </a:spcAft>
               <a:buNone/>
             </a:pPr>
-            <a:r>
-              <a:rPr lang="en-US" sz="2400" dirty="0">
-                <a:solidFill>
-                  <a:schemeClr val="lt1"/>
-                </a:solidFill>
-              </a:rPr>
-              <a:t>Development</a:t>
-            </a:r>
-            <a:r>
-              <a:rPr lang="en-US" sz="1800" dirty="0">
-                <a:solidFill>
-                  <a:schemeClr val="lt1"/>
-                </a:solidFill>
-              </a:rPr>
-              <a:t> </a:t>
-            </a:r>
-            <a:r>
-              <a:rPr lang="en-US" sz="2400" dirty="0">
-                <a:solidFill>
-                  <a:schemeClr val="lt1"/>
-                </a:solidFill>
-              </a:rPr>
-              <a:t>Learnings</a:t>
-            </a:r>
-            <a:endParaRPr sz="2400" dirty="0">
+            <a:endParaRPr sz="1800">
               <a:solidFill>
                 <a:schemeClr val="lt1"/>
               </a:solidFill>
@@ -15142,14 +15473,14 @@
       </p:sp>
       <p:sp>
         <p:nvSpPr>
-          <p:cNvPr id="128" name="Google Shape;128;p16"/>
+          <p:cNvPr id="144" name="Google Shape;144;p18"/>
           <p:cNvSpPr txBox="1"/>
           <p:nvPr/>
         </p:nvSpPr>
         <p:spPr>
           <a:xfrm>
-            <a:off x="539985" y="1866410"/>
-            <a:ext cx="12036287" cy="2224168"/>
+            <a:off x="920514" y="2322640"/>
+            <a:ext cx="10350972" cy="1846629"/>
           </a:xfrm>
           <a:prstGeom prst="rect">
             <a:avLst/>
@@ -15165,12 +15496,9 @@
           </a:bodyPr>
           <a:lstStyle/>
           <a:p>
-            <a:pPr marL="457200" lvl="0" indent="-330200" algn="l" rtl="0">
-              <a:lnSpc>
-                <a:spcPct val="115000"/>
-              </a:lnSpc>
-              <a:spcBef>
-                <a:spcPts val="1000"/>
+            <a:pPr marL="457200" lvl="0" indent="-342900" algn="l" rtl="0">
+              <a:spcBef>
+                <a:spcPts val="0"/>
               </a:spcBef>
               <a:spcAft>
                 <a:spcPts val="0"/>
@@ -15178,7 +15506,7 @@
               <a:buClr>
                 <a:schemeClr val="lt1"/>
               </a:buClr>
-              <a:buSzPts val="1600"/>
+              <a:buSzPts val="1800"/>
               <a:buChar char="●"/>
             </a:pPr>
             <a:r>
@@ -15187,7 +15515,7 @@
                   <a:schemeClr val="lt1"/>
                 </a:solidFill>
               </a:rPr>
-              <a:t>Gained practical experience with AW’s MVVM-driven UI architecture and event-driven workflows.</a:t>
+              <a:t>Error handling needs to be more robust and thoroughly tested.</a:t>
             </a:r>
             <a:endParaRPr sz="1800" dirty="0">
               <a:solidFill>
@@ -15196,10 +15524,23 @@
             </a:endParaRPr>
           </a:p>
           <a:p>
-            <a:pPr marL="457200" lvl="0" indent="-330200" algn="l" rtl="0">
-              <a:lnSpc>
-                <a:spcPct val="115000"/>
-              </a:lnSpc>
+            <a:pPr marL="457200" lvl="0" indent="0" algn="l" rtl="0">
+              <a:spcBef>
+                <a:spcPts val="0"/>
+              </a:spcBef>
+              <a:spcAft>
+                <a:spcPts val="0"/>
+              </a:spcAft>
+              <a:buNone/>
+            </a:pPr>
+            <a:endParaRPr sz="1800" dirty="0">
+              <a:solidFill>
+                <a:schemeClr val="lt1"/>
+              </a:solidFill>
+            </a:endParaRPr>
+          </a:p>
+          <a:p>
+            <a:pPr marL="457200" lvl="0" indent="-342900" algn="l" rtl="0">
               <a:spcBef>
                 <a:spcPts val="0"/>
               </a:spcBef>
@@ -15209,7 +15550,7 @@
               <a:buClr>
                 <a:schemeClr val="lt1"/>
               </a:buClr>
-              <a:buSzPts val="1600"/>
+              <a:buSzPts val="1800"/>
               <a:buChar char="●"/>
             </a:pPr>
             <a:r>
@@ -15218,7 +15559,50 @@
                   <a:schemeClr val="lt1"/>
                 </a:solidFill>
               </a:rPr>
-              <a:t>Learned to interact with Teamcenter SOA/REST APIs for executing business logic.</a:t>
+              <a:t>File validation needs to be added to check the syntax of content in the CSV file.</a:t>
+            </a:r>
+          </a:p>
+          <a:p>
+            <a:pPr marL="457200" lvl="0" indent="-342900" algn="l" rtl="0">
+              <a:spcBef>
+                <a:spcPts val="0"/>
+              </a:spcBef>
+              <a:spcAft>
+                <a:spcPts val="0"/>
+              </a:spcAft>
+              <a:buClr>
+                <a:schemeClr val="lt1"/>
+              </a:buClr>
+              <a:buSzPts val="1800"/>
+              <a:buChar char="●"/>
+            </a:pPr>
+            <a:endParaRPr lang="en-US" sz="1800" dirty="0">
+              <a:solidFill>
+                <a:schemeClr val="lt1"/>
+              </a:solidFill>
+            </a:endParaRPr>
+          </a:p>
+          <a:p>
+            <a:pPr marL="457200" lvl="0" indent="-342900" algn="l" rtl="0">
+              <a:spcBef>
+                <a:spcPts val="0"/>
+              </a:spcBef>
+              <a:spcAft>
+                <a:spcPts val="0"/>
+              </a:spcAft>
+              <a:buClr>
+                <a:schemeClr val="lt1"/>
+              </a:buClr>
+              <a:buSzPts val="1800"/>
+              <a:buChar char="●"/>
+            </a:pPr>
+            <a:r>
+              <a:rPr lang="en-US" sz="1800" dirty="0">
+                <a:solidFill>
+                  <a:schemeClr val="lt1"/>
+                </a:solidFill>
+              </a:rPr>
+              <a:t>Synchronous SOA will be converted to async SOA.</a:t>
             </a:r>
             <a:endParaRPr sz="1800" dirty="0">
               <a:solidFill>
@@ -15227,97 +15611,16 @@
             </a:endParaRPr>
           </a:p>
           <a:p>
-            <a:pPr marL="457200" indent="-330200">
-              <a:lnSpc>
-                <a:spcPct val="115000"/>
-              </a:lnSpc>
-              <a:buClr>
-                <a:schemeClr val="lt1"/>
-              </a:buClr>
-              <a:buSzPts val="1600"/>
-              <a:buFont typeface="Arial"/>
-              <a:buChar char="●"/>
+            <a:pPr marL="457200" lvl="0" indent="0" algn="l" rtl="0">
+              <a:spcBef>
+                <a:spcPts val="0"/>
+              </a:spcBef>
+              <a:spcAft>
+                <a:spcPts val="0"/>
+              </a:spcAft>
+              <a:buNone/>
             </a:pPr>
-            <a:r>
-              <a:rPr lang="en-US" sz="1800" dirty="0">
-                <a:solidFill>
-                  <a:schemeClr val="lt1"/>
-                </a:solidFill>
-              </a:rPr>
-              <a:t>Learned creating SOA using BMIDE to handle business logic.</a:t>
-            </a:r>
-          </a:p>
-          <a:p>
-            <a:pPr marL="457200" indent="-330200">
-              <a:lnSpc>
-                <a:spcPct val="115000"/>
-              </a:lnSpc>
-              <a:buClr>
-                <a:schemeClr val="lt1"/>
-              </a:buClr>
-              <a:buSzPts val="1600"/>
-              <a:buFont typeface="Arial"/>
-              <a:buChar char="●"/>
-            </a:pPr>
-            <a:r>
-              <a:rPr lang="en-US" sz="1800" dirty="0">
-                <a:solidFill>
-                  <a:schemeClr val="lt1"/>
-                </a:solidFill>
-              </a:rPr>
-              <a:t>Gained knowledge about build structure &amp; how to resolve build errors.</a:t>
-            </a:r>
-          </a:p>
-          <a:p>
-            <a:pPr marL="457200" indent="-330200">
-              <a:lnSpc>
-                <a:spcPct val="115000"/>
-              </a:lnSpc>
-              <a:buClr>
-                <a:schemeClr val="lt1"/>
-              </a:buClr>
-              <a:buSzPts val="1600"/>
-              <a:buFont typeface="Arial"/>
-              <a:buChar char="●"/>
-            </a:pPr>
-            <a:r>
-              <a:rPr lang="en-US" sz="1800" dirty="0">
-                <a:solidFill>
-                  <a:schemeClr val="lt1"/>
-                </a:solidFill>
-              </a:rPr>
-              <a:t>Figured out working and usage of csv2tcxml &amp; </a:t>
-            </a:r>
-            <a:r>
-              <a:rPr lang="en-US" sz="1800" dirty="0" err="1">
-                <a:solidFill>
-                  <a:schemeClr val="lt1"/>
-                </a:solidFill>
-              </a:rPr>
-              <a:t>tcxml_import</a:t>
-            </a:r>
-            <a:r>
-              <a:rPr lang="en-US" sz="1800" dirty="0">
-                <a:solidFill>
-                  <a:schemeClr val="lt1"/>
-                </a:solidFill>
-              </a:rPr>
-              <a:t> utilities.</a:t>
-            </a:r>
-          </a:p>
-          <a:p>
-            <a:pPr marL="457200" indent="-330200">
-              <a:lnSpc>
-                <a:spcPct val="115000"/>
-              </a:lnSpc>
-              <a:buClr>
-                <a:schemeClr val="lt1"/>
-              </a:buClr>
-              <a:buSzPts val="1600"/>
-              <a:buFont typeface="Arial"/>
-              <a:buChar char="●"/>
-            </a:pPr>
-            <a:endParaRPr lang="en-US" sz="1800" dirty="0">
+            <a:endParaRPr sz="1800" dirty="0">
               <a:solidFill>
                 <a:schemeClr val="lt1"/>
               </a:solidFill>
@@ -15325,135 +15628,12 @@
           </a:p>
         </p:txBody>
       </p:sp>
-      <p:sp>
-        <p:nvSpPr>
-          <p:cNvPr id="2" name="TextBox 1">
+      <p:pic>
+        <p:nvPicPr>
+          <p:cNvPr id="5" name="Picture 4">
             <a:extLst>
               <a:ext uri="{FF2B5EF4-FFF2-40B4-BE49-F238E27FC236}">
-                <a16:creationId xmlns:a16="http://schemas.microsoft.com/office/drawing/2014/main" id="{31E056A8-D5A9-BBE0-3127-71922EDED450}"/>
-              </a:ext>
-            </a:extLst>
-          </p:cNvPr>
-          <p:cNvSpPr txBox="1"/>
-          <p:nvPr/>
-        </p:nvSpPr>
-        <p:spPr>
-          <a:xfrm flipH="1">
-            <a:off x="492980" y="3968627"/>
-            <a:ext cx="4387133" cy="461665"/>
-          </a:xfrm>
-          <a:prstGeom prst="rect">
-            <a:avLst/>
-          </a:prstGeom>
-          <a:noFill/>
-        </p:spPr>
-        <p:txBody>
-          <a:bodyPr wrap="square" rtlCol="0">
-            <a:spAutoFit/>
-          </a:bodyPr>
-          <a:lstStyle/>
-          <a:p>
-            <a:r>
-              <a:rPr lang="en-US" sz="2400" dirty="0">
-                <a:solidFill>
-                  <a:schemeClr val="bg1"/>
-                </a:solidFill>
-              </a:rPr>
-              <a:t>Takeaways</a:t>
-            </a:r>
-          </a:p>
-        </p:txBody>
-      </p:sp>
-      <p:sp>
-        <p:nvSpPr>
-          <p:cNvPr id="5" name="TextBox 4">
-            <a:extLst>
-              <a:ext uri="{FF2B5EF4-FFF2-40B4-BE49-F238E27FC236}">
-                <a16:creationId xmlns:a16="http://schemas.microsoft.com/office/drawing/2014/main" id="{2D1EB5C5-B479-FEE2-67B8-7CC0BCDFAAC9}"/>
-              </a:ext>
-            </a:extLst>
-          </p:cNvPr>
-          <p:cNvSpPr txBox="1"/>
-          <p:nvPr/>
-        </p:nvSpPr>
-        <p:spPr>
-          <a:xfrm>
-            <a:off x="697376" y="4519767"/>
-            <a:ext cx="10396331" cy="1415772"/>
-          </a:xfrm>
-          <a:prstGeom prst="rect">
-            <a:avLst/>
-          </a:prstGeom>
-          <a:noFill/>
-        </p:spPr>
-        <p:txBody>
-          <a:bodyPr wrap="square" rtlCol="0">
-            <a:spAutoFit/>
-          </a:bodyPr>
-          <a:lstStyle/>
-          <a:p>
-            <a:pPr marL="285750" indent="-285750">
-              <a:buClr>
-                <a:schemeClr val="bg1"/>
-              </a:buClr>
-              <a:buFont typeface="Wingdings" panose="05000000000000000000" pitchFamily="2" charset="2"/>
-              <a:buChar char="Ø"/>
-            </a:pPr>
-            <a:r>
-              <a:rPr lang="en-US" sz="1800" dirty="0">
-                <a:solidFill>
-                  <a:schemeClr val="bg1"/>
-                </a:solidFill>
-              </a:rPr>
-              <a:t>Gained valuable insights into enterprise PLM systems &amp; their customization.</a:t>
-            </a:r>
-          </a:p>
-          <a:p>
-            <a:pPr marL="285750" indent="-285750">
-              <a:buClr>
-                <a:schemeClr val="bg1"/>
-              </a:buClr>
-              <a:buFont typeface="Wingdings" panose="05000000000000000000" pitchFamily="2" charset="2"/>
-              <a:buChar char="Ø"/>
-            </a:pPr>
-            <a:endParaRPr lang="en-US" sz="1800" dirty="0">
-              <a:solidFill>
-                <a:schemeClr val="bg1"/>
-              </a:solidFill>
-            </a:endParaRPr>
-          </a:p>
-          <a:p>
-            <a:pPr marL="285750" indent="-285750">
-              <a:buClr>
-                <a:schemeClr val="bg1"/>
-              </a:buClr>
-              <a:buFont typeface="Wingdings" panose="05000000000000000000" pitchFamily="2" charset="2"/>
-              <a:buChar char="Ø"/>
-            </a:pPr>
-            <a:r>
-              <a:rPr lang="en-US" sz="1800" dirty="0">
-                <a:solidFill>
-                  <a:schemeClr val="bg1"/>
-                </a:solidFill>
-              </a:rPr>
-              <a:t>Enhanced my skills in understanding code, visualizing process flows &amp; debugging. And overall build confidence to contribute &amp; to be productive in professional environment. </a:t>
-            </a:r>
-          </a:p>
-          <a:p>
-            <a:endParaRPr lang="en-US" dirty="0">
-              <a:solidFill>
-                <a:schemeClr val="bg1"/>
-              </a:solidFill>
-            </a:endParaRPr>
-          </a:p>
-        </p:txBody>
-      </p:sp>
-      <p:pic>
-        <p:nvPicPr>
-          <p:cNvPr id="7" name="Picture 6">
-            <a:extLst>
-              <a:ext uri="{FF2B5EF4-FFF2-40B4-BE49-F238E27FC236}">
-                <a16:creationId xmlns:a16="http://schemas.microsoft.com/office/drawing/2014/main" id="{540C9EC1-93F0-E7C9-988C-042A5CD11FB3}"/>
+                <a16:creationId xmlns:a16="http://schemas.microsoft.com/office/drawing/2014/main" id="{E8F6DEF6-5550-903B-546B-63F224E1D733}"/>
               </a:ext>
             </a:extLst>
           </p:cNvPr>
@@ -15470,8 +15650,8 @@
         </p:blipFill>
         <p:spPr>
           <a:xfrm>
-            <a:off x="9779860" y="536096"/>
-            <a:ext cx="990600" cy="990600"/>
+            <a:off x="9829799" y="602904"/>
+            <a:ext cx="1106591" cy="1106591"/>
           </a:xfrm>
           <a:prstGeom prst="rect">
             <a:avLst/>
